--- a/Project 2.pptx
+++ b/Project 2.pptx
@@ -946,7 +946,7 @@
         <a:p>
           <a:r>
             <a:rPr lang="en-US" dirty="0"/>
-            <a:t>Step 1</a:t>
+            <a:t>Data Sourcing and Extraction</a:t>
           </a:r>
         </a:p>
       </dgm:t>
@@ -982,8 +982,19 @@
         <a:p>
           <a:r>
             <a:rPr lang="en-US" dirty="0"/>
-            <a:t>Task Description</a:t>
+            <a:t>Source data from </a:t>
           </a:r>
+          <a:r>
+            <a:rPr lang="en-AU" b="0" i="0" dirty="0">
+              <a:hlinkClick xmlns:r="http://schemas.openxmlformats.org/officeDocument/2006/relationships" r:id="rId1"/>
+            </a:rPr>
+            <a:t>https://www.cdc.gov/niosh/mining/data/</a:t>
+          </a:r>
+          <a:r>
+            <a:rPr lang="en-AU" b="0" i="0" dirty="0"/>
+            <a:t> and download relevant CSV datasets</a:t>
+          </a:r>
+          <a:endParaRPr lang="en-US" dirty="0"/>
         </a:p>
       </dgm:t>
     </dgm:pt>
@@ -1018,8 +1029,19 @@
         <a:p>
           <a:r>
             <a:rPr lang="en-US" dirty="0"/>
-            <a:t>Task Description</a:t>
+            <a:t>Using Excel and </a:t>
           </a:r>
+          <a:r>
+            <a:rPr lang="en-AU" b="0" i="0" dirty="0">
+              <a:hlinkClick xmlns:r="http://schemas.openxmlformats.org/officeDocument/2006/relationships" r:id="rId2"/>
+            </a:rPr>
+            <a:t>http://www.quickdatabasediagrams.com</a:t>
+          </a:r>
+          <a:r>
+            <a:rPr lang="en-AU" b="0" i="0" dirty="0"/>
+            <a:t> we dissected the tables and produced a schema</a:t>
+          </a:r>
+          <a:endParaRPr lang="en-US" dirty="0"/>
         </a:p>
       </dgm:t>
     </dgm:pt>
@@ -1054,7 +1076,7 @@
         <a:p>
           <a:r>
             <a:rPr lang="en-US" dirty="0"/>
-            <a:t>Step 2</a:t>
+            <a:t>Transformation of Data</a:t>
           </a:r>
         </a:p>
       </dgm:t>
@@ -1090,7 +1112,7 @@
         <a:p>
           <a:r>
             <a:rPr lang="en-US" dirty="0"/>
-            <a:t>Task Description</a:t>
+            <a:t>Import all Dependencies and setup CSV Panda reads.</a:t>
           </a:r>
         </a:p>
       </dgm:t>
@@ -1124,10 +1146,15 @@
         <a:bodyPr/>
         <a:lstStyle/>
         <a:p>
+          <a:pPr>
+            <a:buFont typeface="Arial" panose="020B0604020202020204" pitchFamily="34" charset="0"/>
+            <a:buChar char="•"/>
+          </a:pPr>
           <a:r>
-            <a:rPr lang="en-US" dirty="0"/>
-            <a:t>Task Description</a:t>
+            <a:rPr lang="en-US" b="0" i="0" dirty="0"/>
+            <a:t>Create clean incident/employment data table by dropping additional columns and rename remaining columns from data frames.</a:t>
           </a:r>
+          <a:endParaRPr lang="en-US" dirty="0"/>
         </a:p>
       </dgm:t>
     </dgm:pt>
@@ -1162,7 +1189,7 @@
         <a:p>
           <a:r>
             <a:rPr lang="en-US" dirty="0"/>
-            <a:t>Step 3</a:t>
+            <a:t>Loading Data</a:t>
           </a:r>
         </a:p>
       </dgm:t>
@@ -1197,9 +1224,10 @@
         <a:lstStyle/>
         <a:p>
           <a:r>
-            <a:rPr lang="en-US" dirty="0"/>
-            <a:t>Task Description</a:t>
+            <a:rPr lang="it-IT" b="0" i="0" dirty="0"/>
+            <a:t>Create Incident_data Database in Postgres pgAdmin4</a:t>
           </a:r>
+          <a:endParaRPr lang="en-US" dirty="0"/>
         </a:p>
       </dgm:t>
     </dgm:pt>
@@ -1234,7 +1262,7 @@
         <a:p>
           <a:r>
             <a:rPr lang="en-US" dirty="0"/>
-            <a:t>Task Description</a:t>
+            <a:t>Create the four tables as seen in the image to the left.</a:t>
           </a:r>
         </a:p>
       </dgm:t>
@@ -1258,6 +1286,120 @@
         <a:lstStyle/>
         <a:p>
           <a:endParaRPr lang="en-US"/>
+        </a:p>
+      </dgm:t>
+    </dgm:pt>
+    <dgm:pt modelId="{78604450-7203-4CD5-96D8-012DFE83E40F}">
+      <dgm:prSet phldrT="[Text]"/>
+      <dgm:spPr/>
+      <dgm:t>
+        <a:bodyPr/>
+        <a:lstStyle/>
+        <a:p>
+          <a:r>
+            <a:rPr lang="en-US" b="0" i="0" dirty="0"/>
+            <a:t>Replace identified 'dirty' data values in the incident_data table.</a:t>
+          </a:r>
+          <a:endParaRPr lang="en-US" dirty="0"/>
+        </a:p>
+      </dgm:t>
+    </dgm:pt>
+    <dgm:pt modelId="{2E2F1EC7-7736-4FC4-9002-CA6AAC21D430}" type="parTrans" cxnId="{408DA32C-F57F-4855-B71B-2FE911A2EB10}">
+      <dgm:prSet/>
+      <dgm:spPr/>
+      <dgm:t>
+        <a:bodyPr/>
+        <a:lstStyle/>
+        <a:p>
+          <a:endParaRPr lang="en-AU"/>
+        </a:p>
+      </dgm:t>
+    </dgm:pt>
+    <dgm:pt modelId="{015F886B-2EDE-4B95-A022-99344A36D490}" type="sibTrans" cxnId="{408DA32C-F57F-4855-B71B-2FE911A2EB10}">
+      <dgm:prSet/>
+      <dgm:spPr/>
+      <dgm:t>
+        <a:bodyPr/>
+        <a:lstStyle/>
+        <a:p>
+          <a:endParaRPr lang="en-AU"/>
+        </a:p>
+      </dgm:t>
+    </dgm:pt>
+    <dgm:pt modelId="{6C4EFB30-09DD-4153-BCD2-2B356F56C86F}">
+      <dgm:prSet phldrT="[Text]"/>
+      <dgm:spPr/>
+      <dgm:t>
+        <a:bodyPr/>
+        <a:lstStyle/>
+        <a:p>
+          <a:r>
+            <a:rPr lang="en-US" dirty="0"/>
+            <a:t>Group and count the Top 20 Mine sites and filter tables to only include those.</a:t>
+          </a:r>
+        </a:p>
+      </dgm:t>
+    </dgm:pt>
+    <dgm:pt modelId="{17718841-CE07-4E4D-8C66-BB434AFF53F4}" type="parTrans" cxnId="{DAD30E02-2F2B-4C57-AFC1-97064F7EFBC8}">
+      <dgm:prSet/>
+      <dgm:spPr/>
+      <dgm:t>
+        <a:bodyPr/>
+        <a:lstStyle/>
+        <a:p>
+          <a:endParaRPr lang="en-AU"/>
+        </a:p>
+      </dgm:t>
+    </dgm:pt>
+    <dgm:pt modelId="{345DD1F5-6691-42CD-81B5-91C9628D54AB}" type="sibTrans" cxnId="{DAD30E02-2F2B-4C57-AFC1-97064F7EFBC8}">
+      <dgm:prSet/>
+      <dgm:spPr/>
+      <dgm:t>
+        <a:bodyPr/>
+        <a:lstStyle/>
+        <a:p>
+          <a:endParaRPr lang="en-AU"/>
+        </a:p>
+      </dgm:t>
+    </dgm:pt>
+    <dgm:pt modelId="{042D0E35-88AE-42AC-9868-EEE04254E884}">
+      <dgm:prSet phldrT="[Text]"/>
+      <dgm:spPr/>
+      <dgm:t>
+        <a:bodyPr/>
+        <a:lstStyle/>
+        <a:p>
+          <a:pPr>
+            <a:buFont typeface="Arial" panose="020B0604020202020204" pitchFamily="34" charset="0"/>
+            <a:buChar char="•"/>
+          </a:pPr>
+          <a:r>
+            <a:rPr lang="en-US" b="0" i="0" dirty="0"/>
+            <a:t>Create a database connection to postgres and Load data into tables.</a:t>
+          </a:r>
+          <a:endParaRPr lang="en-US" dirty="0"/>
+        </a:p>
+      </dgm:t>
+    </dgm:pt>
+    <dgm:pt modelId="{F6ABB038-1C26-4108-82A1-E5F3890F075D}" type="parTrans" cxnId="{143E2547-B8CF-478E-920F-405AA8F965B1}">
+      <dgm:prSet/>
+      <dgm:spPr/>
+      <dgm:t>
+        <a:bodyPr/>
+        <a:lstStyle/>
+        <a:p>
+          <a:endParaRPr lang="en-AU"/>
+        </a:p>
+      </dgm:t>
+    </dgm:pt>
+    <dgm:pt modelId="{4A308B11-B50A-45C8-8A3E-B7DC1F5A544A}" type="sibTrans" cxnId="{143E2547-B8CF-478E-920F-405AA8F965B1}">
+      <dgm:prSet/>
+      <dgm:spPr/>
+      <dgm:t>
+        <a:bodyPr/>
+        <a:lstStyle/>
+        <a:p>
+          <a:endParaRPr lang="en-AU"/>
         </a:p>
       </dgm:t>
     </dgm:pt>
@@ -1288,7 +1430,7 @@
       <dgm:spPr/>
     </dgm:pt>
     <dgm:pt modelId="{C4F2ADBF-C592-483D-A6FF-5DB9D2A90309}" type="pres">
-      <dgm:prSet presAssocID="{17ACD041-408C-4E7D-B463-7267D32756A1}" presName="childTextBox" presStyleLbl="fgAccFollowNode1" presStyleIdx="0" presStyleCnt="6">
+      <dgm:prSet presAssocID="{17ACD041-408C-4E7D-B463-7267D32756A1}" presName="childTextBox" presStyleLbl="fgAccFollowNode1" presStyleIdx="0" presStyleCnt="9">
         <dgm:presLayoutVars>
           <dgm:bulletEnabled val="1"/>
         </dgm:presLayoutVars>
@@ -1296,7 +1438,15 @@
       <dgm:spPr/>
     </dgm:pt>
     <dgm:pt modelId="{0F0AC827-ACAE-4C23-875D-A4B53006A73F}" type="pres">
-      <dgm:prSet presAssocID="{B5387FF0-0982-441E-9F8E-19335142671C}" presName="childTextBox" presStyleLbl="fgAccFollowNode1" presStyleIdx="1" presStyleCnt="6">
+      <dgm:prSet presAssocID="{B5387FF0-0982-441E-9F8E-19335142671C}" presName="childTextBox" presStyleLbl="fgAccFollowNode1" presStyleIdx="1" presStyleCnt="9">
+        <dgm:presLayoutVars>
+          <dgm:bulletEnabled val="1"/>
+        </dgm:presLayoutVars>
+      </dgm:prSet>
+      <dgm:spPr/>
+    </dgm:pt>
+    <dgm:pt modelId="{993C11F3-B1ED-4AD8-ACDA-C3B89A883F7E}" type="pres">
+      <dgm:prSet presAssocID="{042D0E35-88AE-42AC-9868-EEE04254E884}" presName="childTextBox" presStyleLbl="fgAccFollowNode1" presStyleIdx="2" presStyleCnt="9">
         <dgm:presLayoutVars>
           <dgm:bulletEnabled val="1"/>
         </dgm:presLayoutVars>
@@ -1324,7 +1474,7 @@
       <dgm:spPr/>
     </dgm:pt>
     <dgm:pt modelId="{A8E0F749-66B2-490B-99E9-CC106B163B16}" type="pres">
-      <dgm:prSet presAssocID="{99C943DF-AAA4-4E2C-A283-FA2BF761F447}" presName="childTextArrow" presStyleLbl="fgAccFollowNode1" presStyleIdx="2" presStyleCnt="6">
+      <dgm:prSet presAssocID="{99C943DF-AAA4-4E2C-A283-FA2BF761F447}" presName="childTextArrow" presStyleLbl="fgAccFollowNode1" presStyleIdx="3" presStyleCnt="9">
         <dgm:presLayoutVars>
           <dgm:bulletEnabled val="1"/>
         </dgm:presLayoutVars>
@@ -1332,7 +1482,23 @@
       <dgm:spPr/>
     </dgm:pt>
     <dgm:pt modelId="{A6EE397C-6C28-4128-BFFE-CFF44F70153F}" type="pres">
-      <dgm:prSet presAssocID="{3FE03ED9-3066-4E28-8291-0B1764DC85D6}" presName="childTextArrow" presStyleLbl="fgAccFollowNode1" presStyleIdx="3" presStyleCnt="6">
+      <dgm:prSet presAssocID="{3FE03ED9-3066-4E28-8291-0B1764DC85D6}" presName="childTextArrow" presStyleLbl="fgAccFollowNode1" presStyleIdx="4" presStyleCnt="9">
+        <dgm:presLayoutVars>
+          <dgm:bulletEnabled val="1"/>
+        </dgm:presLayoutVars>
+      </dgm:prSet>
+      <dgm:spPr/>
+    </dgm:pt>
+    <dgm:pt modelId="{544CA514-8654-4A3B-9754-43B068C5E047}" type="pres">
+      <dgm:prSet presAssocID="{78604450-7203-4CD5-96D8-012DFE83E40F}" presName="childTextArrow" presStyleLbl="fgAccFollowNode1" presStyleIdx="5" presStyleCnt="9">
+        <dgm:presLayoutVars>
+          <dgm:bulletEnabled val="1"/>
+        </dgm:presLayoutVars>
+      </dgm:prSet>
+      <dgm:spPr/>
+    </dgm:pt>
+    <dgm:pt modelId="{6D79938F-F3C5-4FC0-981B-4FE13002283A}" type="pres">
+      <dgm:prSet presAssocID="{6C4EFB30-09DD-4153-BCD2-2B356F56C86F}" presName="childTextArrow" presStyleLbl="fgAccFollowNode1" presStyleIdx="6" presStyleCnt="9">
         <dgm:presLayoutVars>
           <dgm:bulletEnabled val="1"/>
         </dgm:presLayoutVars>
@@ -1352,7 +1518,7 @@
       <dgm:spPr/>
     </dgm:pt>
     <dgm:pt modelId="{A48265CE-F3A3-46DB-9DD2-97590B4DBB84}" type="pres">
-      <dgm:prSet presAssocID="{C712D637-7FF1-401C-9304-F85D1B95B226}" presName="arrow" presStyleLbl="node1" presStyleIdx="2" presStyleCnt="3"/>
+      <dgm:prSet presAssocID="{C712D637-7FF1-401C-9304-F85D1B95B226}" presName="arrow" presStyleLbl="node1" presStyleIdx="2" presStyleCnt="3" custLinFactNeighborX="1908" custLinFactNeighborY="-24898"/>
       <dgm:spPr/>
     </dgm:pt>
     <dgm:pt modelId="{DB89CC08-BF2F-4B2E-B88D-22F7BE6ECA5F}" type="pres">
@@ -1360,7 +1526,7 @@
       <dgm:spPr/>
     </dgm:pt>
     <dgm:pt modelId="{59FFE57C-E5F2-4FBD-AA4D-8DB27381892F}" type="pres">
-      <dgm:prSet presAssocID="{743FE7B1-011B-42E6-8768-1EB3E95741FA}" presName="childTextArrow" presStyleLbl="fgAccFollowNode1" presStyleIdx="4" presStyleCnt="6">
+      <dgm:prSet presAssocID="{743FE7B1-011B-42E6-8768-1EB3E95741FA}" presName="childTextArrow" presStyleLbl="fgAccFollowNode1" presStyleIdx="7" presStyleCnt="9">
         <dgm:presLayoutVars>
           <dgm:bulletEnabled val="1"/>
         </dgm:presLayoutVars>
@@ -1368,7 +1534,7 @@
       <dgm:spPr/>
     </dgm:pt>
     <dgm:pt modelId="{3EC7D028-ECEA-492B-A6F1-68E9B57B69C6}" type="pres">
-      <dgm:prSet presAssocID="{DA33CDF4-5B94-4B92-9E0A-4DFD4CBFAF2D}" presName="childTextArrow" presStyleLbl="fgAccFollowNode1" presStyleIdx="5" presStyleCnt="6">
+      <dgm:prSet presAssocID="{DA33CDF4-5B94-4B92-9E0A-4DFD4CBFAF2D}" presName="childTextArrow" presStyleLbl="fgAccFollowNode1" presStyleIdx="8" presStyleCnt="9">
         <dgm:presLayoutVars>
           <dgm:bulletEnabled val="1"/>
         </dgm:presLayoutVars>
@@ -1377,16 +1543,22 @@
     </dgm:pt>
   </dgm:ptLst>
   <dgm:cxnLst>
+    <dgm:cxn modelId="{DAD30E02-2F2B-4C57-AFC1-97064F7EFBC8}" srcId="{DB6AA457-F75F-415D-BDD5-92045774FE4B}" destId="{6C4EFB30-09DD-4153-BCD2-2B356F56C86F}" srcOrd="3" destOrd="0" parTransId="{17718841-CE07-4E4D-8C66-BB434AFF53F4}" sibTransId="{345DD1F5-6691-42CD-81B5-91C9628D54AB}"/>
     <dgm:cxn modelId="{9316510D-13B4-4805-A422-3ADE472E3CED}" type="presOf" srcId="{17ACD041-408C-4E7D-B463-7267D32756A1}" destId="{C4F2ADBF-C592-483D-A6FF-5DB9D2A90309}" srcOrd="0" destOrd="0" presId="urn:microsoft.com/office/officeart/2005/8/layout/process4"/>
     <dgm:cxn modelId="{EF7A2011-FCAC-41A8-A305-634BF780B59D}" srcId="{DB6AA457-F75F-415D-BDD5-92045774FE4B}" destId="{3FE03ED9-3066-4E28-8291-0B1764DC85D6}" srcOrd="1" destOrd="0" parTransId="{70F79093-990B-4C69-A0BC-6E28D692D24F}" sibTransId="{2D17DCF5-1F10-4F99-AFA5-9D17F12D0A73}"/>
     <dgm:cxn modelId="{1D511413-BA69-4C30-A06E-819D3DD30080}" type="presOf" srcId="{743FE7B1-011B-42E6-8768-1EB3E95741FA}" destId="{59FFE57C-E5F2-4FBD-AA4D-8DB27381892F}" srcOrd="0" destOrd="0" presId="urn:microsoft.com/office/officeart/2005/8/layout/process4"/>
+    <dgm:cxn modelId="{48F0381D-96DC-426F-8E38-262ECA59E16A}" type="presOf" srcId="{78604450-7203-4CD5-96D8-012DFE83E40F}" destId="{544CA514-8654-4A3B-9754-43B068C5E047}" srcOrd="0" destOrd="0" presId="urn:microsoft.com/office/officeart/2005/8/layout/process4"/>
     <dgm:cxn modelId="{0ED8DE1E-44AE-4D6E-B272-36A837D116F5}" type="presOf" srcId="{DB6AA457-F75F-415D-BDD5-92045774FE4B}" destId="{80AD606B-F25E-46DF-B405-18F7D2EAE74A}" srcOrd="1" destOrd="0" presId="urn:microsoft.com/office/officeart/2005/8/layout/process4"/>
+    <dgm:cxn modelId="{9EB70226-6F27-4B6C-A175-259560DE3F4E}" type="presOf" srcId="{042D0E35-88AE-42AC-9868-EEE04254E884}" destId="{993C11F3-B1ED-4AD8-ACDA-C3B89A883F7E}" srcOrd="0" destOrd="0" presId="urn:microsoft.com/office/officeart/2005/8/layout/process4"/>
+    <dgm:cxn modelId="{408DA32C-F57F-4855-B71B-2FE911A2EB10}" srcId="{DB6AA457-F75F-415D-BDD5-92045774FE4B}" destId="{78604450-7203-4CD5-96D8-012DFE83E40F}" srcOrd="2" destOrd="0" parTransId="{2E2F1EC7-7736-4FC4-9002-CA6AAC21D430}" sibTransId="{015F886B-2EDE-4B95-A022-99344A36D490}"/>
     <dgm:cxn modelId="{6D29C741-1B1E-4EBC-A0C7-F287A8ED285A}" srcId="{C712D637-7FF1-401C-9304-F85D1B95B226}" destId="{743FE7B1-011B-42E6-8768-1EB3E95741FA}" srcOrd="0" destOrd="0" parTransId="{921AFB12-2D70-40FB-8AB1-299E0FF2C5A6}" sibTransId="{FFAF77DD-A644-4C36-8908-6204BB0D9268}"/>
     <dgm:cxn modelId="{9653D664-EC18-40D7-9F5E-3B27A70DCA4D}" srcId="{CD5204CD-6958-4A55-82AA-4AD73B3B6A19}" destId="{C712D637-7FF1-401C-9304-F85D1B95B226}" srcOrd="0" destOrd="0" parTransId="{05E1DD5C-7FEF-48F0-9651-C74D082ACBA9}" sibTransId="{F14B97BF-E90F-4D5A-A42B-6364BCB81249}"/>
+    <dgm:cxn modelId="{143E2547-B8CF-478E-920F-405AA8F965B1}" srcId="{C3DC95A2-4D92-42C5-966E-8600E4BA31BD}" destId="{042D0E35-88AE-42AC-9868-EEE04254E884}" srcOrd="2" destOrd="0" parTransId="{F6ABB038-1C26-4108-82A1-E5F3890F075D}" sibTransId="{4A308B11-B50A-45C8-8A3E-B7DC1F5A544A}"/>
     <dgm:cxn modelId="{2F493247-DD71-42E2-BA13-315F9C6D9D25}" type="presOf" srcId="{C712D637-7FF1-401C-9304-F85D1B95B226}" destId="{A48265CE-F3A3-46DB-9DD2-97590B4DBB84}" srcOrd="1" destOrd="0" presId="urn:microsoft.com/office/officeart/2005/8/layout/process4"/>
     <dgm:cxn modelId="{F9232B4D-645E-4C93-A5D6-A89B30504327}" srcId="{DB6AA457-F75F-415D-BDD5-92045774FE4B}" destId="{99C943DF-AAA4-4E2C-A283-FA2BF761F447}" srcOrd="0" destOrd="0" parTransId="{20F107AF-35DA-4D25-AB35-B8AD821D3FE7}" sibTransId="{4802CB64-7B32-458C-A9FF-C35C0A51E69A}"/>
     <dgm:cxn modelId="{93F76B4F-907D-4630-B1A9-C3BE3C102DFF}" srcId="{CD5204CD-6958-4A55-82AA-4AD73B3B6A19}" destId="{DB6AA457-F75F-415D-BDD5-92045774FE4B}" srcOrd="1" destOrd="0" parTransId="{195DBB62-3C1E-4BED-ADB6-6E31CA6ABD63}" sibTransId="{C684833D-85CC-4010-A138-ABC65E139C69}"/>
     <dgm:cxn modelId="{8C9BD688-12E5-4F5A-8BDA-E772A4740AB3}" type="presOf" srcId="{C712D637-7FF1-401C-9304-F85D1B95B226}" destId="{859CA2CA-8A33-4975-9F01-7A3C8BB729DE}" srcOrd="0" destOrd="0" presId="urn:microsoft.com/office/officeart/2005/8/layout/process4"/>
+    <dgm:cxn modelId="{9522B795-A19C-4F55-A728-07B5E95D9B55}" type="presOf" srcId="{6C4EFB30-09DD-4153-BCD2-2B356F56C86F}" destId="{6D79938F-F3C5-4FC0-981B-4FE13002283A}" srcOrd="0" destOrd="0" presId="urn:microsoft.com/office/officeart/2005/8/layout/process4"/>
     <dgm:cxn modelId="{6E6CA696-8B54-476F-8D51-CE9ECC050E3A}" type="presOf" srcId="{DA33CDF4-5B94-4B92-9E0A-4DFD4CBFAF2D}" destId="{3EC7D028-ECEA-492B-A6F1-68E9B57B69C6}" srcOrd="0" destOrd="0" presId="urn:microsoft.com/office/officeart/2005/8/layout/process4"/>
     <dgm:cxn modelId="{4BC4F29C-6AF5-4F17-9CDA-1468FA88B1A3}" type="presOf" srcId="{B5387FF0-0982-441E-9F8E-19335142671C}" destId="{0F0AC827-ACAE-4C23-875D-A4B53006A73F}" srcOrd="0" destOrd="0" presId="urn:microsoft.com/office/officeart/2005/8/layout/process4"/>
     <dgm:cxn modelId="{88A87FA6-C1EB-4109-9B9E-2FE10DE80F14}" srcId="{C712D637-7FF1-401C-9304-F85D1B95B226}" destId="{DA33CDF4-5B94-4B92-9E0A-4DFD4CBFAF2D}" srcOrd="1" destOrd="0" parTransId="{B7ECB8E0-4CD3-4804-BE8C-5260A5083C57}" sibTransId="{D3EF4DE2-351E-4A5C-980A-1BBDC899AAC2}"/>
@@ -1405,6 +1577,7 @@
     <dgm:cxn modelId="{34DACDD9-579D-484A-A6CA-92F20AC63C35}" type="presParOf" srcId="{127AFF01-F37D-42CC-8885-1689151201CD}" destId="{2DA8AD2F-BF50-4911-9A17-8274766C00A6}" srcOrd="2" destOrd="0" presId="urn:microsoft.com/office/officeart/2005/8/layout/process4"/>
     <dgm:cxn modelId="{CE9F8C4F-B92C-4259-B12C-1B419BF89D38}" type="presParOf" srcId="{2DA8AD2F-BF50-4911-9A17-8274766C00A6}" destId="{C4F2ADBF-C592-483D-A6FF-5DB9D2A90309}" srcOrd="0" destOrd="0" presId="urn:microsoft.com/office/officeart/2005/8/layout/process4"/>
     <dgm:cxn modelId="{02D123F8-1DC9-4E29-B79E-8AF74BABCE28}" type="presParOf" srcId="{2DA8AD2F-BF50-4911-9A17-8274766C00A6}" destId="{0F0AC827-ACAE-4C23-875D-A4B53006A73F}" srcOrd="1" destOrd="0" presId="urn:microsoft.com/office/officeart/2005/8/layout/process4"/>
+    <dgm:cxn modelId="{59CCA526-854A-4272-B5E5-595C7267DB93}" type="presParOf" srcId="{2DA8AD2F-BF50-4911-9A17-8274766C00A6}" destId="{993C11F3-B1ED-4AD8-ACDA-C3B89A883F7E}" srcOrd="2" destOrd="0" presId="urn:microsoft.com/office/officeart/2005/8/layout/process4"/>
     <dgm:cxn modelId="{47EA5B00-FECA-4EA3-8858-020831D68EBC}" type="presParOf" srcId="{31D3AE5D-DA06-4E2D-9D68-F5531DFE7C2B}" destId="{7F8DEC81-0DCB-4545-8129-1A1632B41B5E}" srcOrd="1" destOrd="0" presId="urn:microsoft.com/office/officeart/2005/8/layout/process4"/>
     <dgm:cxn modelId="{F9086655-70F6-4D62-803D-9FB2B9CECBD7}" type="presParOf" srcId="{31D3AE5D-DA06-4E2D-9D68-F5531DFE7C2B}" destId="{33200553-5A1C-45F1-A422-26ECCEDBD439}" srcOrd="2" destOrd="0" presId="urn:microsoft.com/office/officeart/2005/8/layout/process4"/>
     <dgm:cxn modelId="{F9C4E479-1A12-49B4-840E-90ED42B6D93D}" type="presParOf" srcId="{33200553-5A1C-45F1-A422-26ECCEDBD439}" destId="{7371425A-4D37-4FA7-A21E-1529F4324E45}" srcOrd="0" destOrd="0" presId="urn:microsoft.com/office/officeart/2005/8/layout/process4"/>
@@ -1412,6 +1585,8 @@
     <dgm:cxn modelId="{BAD9D01B-996C-4986-8FD9-37049CDB92B5}" type="presParOf" srcId="{33200553-5A1C-45F1-A422-26ECCEDBD439}" destId="{72E9B7A5-E5DC-46EA-A30C-DAC09ADD2BF7}" srcOrd="2" destOrd="0" presId="urn:microsoft.com/office/officeart/2005/8/layout/process4"/>
     <dgm:cxn modelId="{C3CD8C6F-29BD-4ADE-A6A3-584D41BCA136}" type="presParOf" srcId="{72E9B7A5-E5DC-46EA-A30C-DAC09ADD2BF7}" destId="{A8E0F749-66B2-490B-99E9-CC106B163B16}" srcOrd="0" destOrd="0" presId="urn:microsoft.com/office/officeart/2005/8/layout/process4"/>
     <dgm:cxn modelId="{3F8AE4D0-C1B9-49A3-9D85-FA13C986C03B}" type="presParOf" srcId="{72E9B7A5-E5DC-46EA-A30C-DAC09ADD2BF7}" destId="{A6EE397C-6C28-4128-BFFE-CFF44F70153F}" srcOrd="1" destOrd="0" presId="urn:microsoft.com/office/officeart/2005/8/layout/process4"/>
+    <dgm:cxn modelId="{2F41A699-2DCB-4E43-A763-89C3CD257080}" type="presParOf" srcId="{72E9B7A5-E5DC-46EA-A30C-DAC09ADD2BF7}" destId="{544CA514-8654-4A3B-9754-43B068C5E047}" srcOrd="2" destOrd="0" presId="urn:microsoft.com/office/officeart/2005/8/layout/process4"/>
+    <dgm:cxn modelId="{58C9A778-BDC5-4CF8-A5F2-CD2E8D8BE837}" type="presParOf" srcId="{72E9B7A5-E5DC-46EA-A30C-DAC09ADD2BF7}" destId="{6D79938F-F3C5-4FC0-981B-4FE13002283A}" srcOrd="3" destOrd="0" presId="urn:microsoft.com/office/officeart/2005/8/layout/process4"/>
     <dgm:cxn modelId="{DF157FA0-6CFF-475F-B2C1-C14A30CA284D}" type="presParOf" srcId="{31D3AE5D-DA06-4E2D-9D68-F5531DFE7C2B}" destId="{0226793B-92A0-4530-A8D1-D80AF6A16C31}" srcOrd="3" destOrd="0" presId="urn:microsoft.com/office/officeart/2005/8/layout/process4"/>
     <dgm:cxn modelId="{D9B8890F-622F-4EF7-B8C9-501999392107}" type="presParOf" srcId="{31D3AE5D-DA06-4E2D-9D68-F5531DFE7C2B}" destId="{1A669411-1539-46A4-9D6E-2C85E15B0FA6}" srcOrd="4" destOrd="0" presId="urn:microsoft.com/office/officeart/2005/8/layout/process4"/>
     <dgm:cxn modelId="{CF2E4F72-F757-4A14-BF45-750381229016}" type="presParOf" srcId="{1A669411-1539-46A4-9D6E-2C85E15B0FA6}" destId="{859CA2CA-8A33-4975-9F01-7A3C8BB729DE}" srcOrd="0" destOrd="0" presId="urn:microsoft.com/office/officeart/2005/8/layout/process4"/>
@@ -1445,8 +1620,8 @@
       </dsp:nvSpPr>
       <dsp:spPr>
         <a:xfrm>
-          <a:off x="0" y="3443976"/>
-          <a:ext cx="4800600" cy="1130389"/>
+          <a:off x="0" y="4622016"/>
+          <a:ext cx="6350687" cy="1517049"/>
         </a:xfrm>
         <a:prstGeom prst="rect">
           <a:avLst/>
@@ -1488,12 +1663,12 @@
         </a:fontRef>
       </dsp:style>
       <dsp:txBody>
-        <a:bodyPr spcFirstLastPara="0" vert="horz" wrap="square" lIns="156464" tIns="156464" rIns="156464" bIns="156464" numCol="1" spcCol="1270" anchor="ctr" anchorCtr="0">
+        <a:bodyPr spcFirstLastPara="0" vert="horz" wrap="square" lIns="213360" tIns="213360" rIns="213360" bIns="213360" numCol="1" spcCol="1270" anchor="ctr" anchorCtr="0">
           <a:noAutofit/>
         </a:bodyPr>
         <a:lstStyle/>
         <a:p>
-          <a:pPr marL="0" lvl="0" indent="0" algn="ctr" defTabSz="977900">
+          <a:pPr marL="0" lvl="0" indent="0" algn="ctr" defTabSz="1333500">
             <a:lnSpc>
               <a:spcPct val="90000"/>
             </a:lnSpc>
@@ -1506,14 +1681,14 @@
             <a:buNone/>
           </a:pPr>
           <a:r>
-            <a:rPr lang="en-US" sz="2200" kern="1200" dirty="0"/>
-            <a:t>Step 3</a:t>
+            <a:rPr lang="en-US" sz="3000" kern="1200" dirty="0"/>
+            <a:t>Loading Data</a:t>
           </a:r>
         </a:p>
       </dsp:txBody>
       <dsp:txXfrm>
-        <a:off x="0" y="3443976"/>
-        <a:ext cx="4800600" cy="610410"/>
+        <a:off x="0" y="4622016"/>
+        <a:ext cx="6350687" cy="819206"/>
       </dsp:txXfrm>
     </dsp:sp>
     <dsp:sp modelId="{C4F2ADBF-C592-483D-A6FF-5DB9D2A90309}">
@@ -1523,8 +1698,8 @@
       </dsp:nvSpPr>
       <dsp:spPr>
         <a:xfrm>
-          <a:off x="0" y="4031779"/>
-          <a:ext cx="2400300" cy="519979"/>
+          <a:off x="3100" y="5410882"/>
+          <a:ext cx="2114828" cy="697842"/>
         </a:xfrm>
         <a:prstGeom prst="rect">
           <a:avLst/>
@@ -1568,12 +1743,12 @@
         <a:fontRef idx="minor"/>
       </dsp:style>
       <dsp:txBody>
-        <a:bodyPr spcFirstLastPara="0" vert="horz" wrap="square" lIns="163576" tIns="29210" rIns="163576" bIns="29210" numCol="1" spcCol="1270" anchor="ctr" anchorCtr="0">
+        <a:bodyPr spcFirstLastPara="0" vert="horz" wrap="square" lIns="56896" tIns="10160" rIns="56896" bIns="10160" numCol="1" spcCol="1270" anchor="ctr" anchorCtr="0">
           <a:noAutofit/>
         </a:bodyPr>
         <a:lstStyle/>
         <a:p>
-          <a:pPr marL="0" lvl="0" indent="0" algn="ctr" defTabSz="1022350">
+          <a:pPr marL="0" lvl="0" indent="0" algn="ctr" defTabSz="355600">
             <a:lnSpc>
               <a:spcPct val="90000"/>
             </a:lnSpc>
@@ -1586,14 +1761,15 @@
             <a:buNone/>
           </a:pPr>
           <a:r>
-            <a:rPr lang="en-US" sz="2300" kern="1200" dirty="0"/>
-            <a:t>Task Description</a:t>
+            <a:rPr lang="it-IT" sz="800" b="0" i="0" kern="1200" dirty="0"/>
+            <a:t>Create Incident_data Database in Postgres pgAdmin4</a:t>
           </a:r>
+          <a:endParaRPr lang="en-US" sz="800" kern="1200" dirty="0"/>
         </a:p>
       </dsp:txBody>
       <dsp:txXfrm>
-        <a:off x="0" y="4031779"/>
-        <a:ext cx="2400300" cy="519979"/>
+        <a:off x="3100" y="5410882"/>
+        <a:ext cx="2114828" cy="697842"/>
       </dsp:txXfrm>
     </dsp:sp>
     <dsp:sp modelId="{0F0AC827-ACAE-4C23-875D-A4B53006A73F}">
@@ -1603,8 +1779,8 @@
       </dsp:nvSpPr>
       <dsp:spPr>
         <a:xfrm>
-          <a:off x="2400300" y="4031779"/>
-          <a:ext cx="2400300" cy="519979"/>
+          <a:off x="2117929" y="5410882"/>
+          <a:ext cx="2114828" cy="697842"/>
         </a:xfrm>
         <a:prstGeom prst="rect">
           <a:avLst/>
@@ -1613,9 +1789,9 @@
           <a:schemeClr val="accent3">
             <a:tint val="40000"/>
             <a:alpha val="90000"/>
-            <a:hueOff val="-1096691"/>
-            <a:satOff val="-573"/>
-            <a:lumOff val="49"/>
+            <a:hueOff val="-685432"/>
+            <a:satOff val="-358"/>
+            <a:lumOff val="31"/>
             <a:alphaOff val="0"/>
           </a:schemeClr>
         </a:solidFill>
@@ -1624,9 +1800,9 @@
             <a:schemeClr val="accent3">
               <a:tint val="40000"/>
               <a:alpha val="90000"/>
-              <a:hueOff val="-1096691"/>
-              <a:satOff val="-573"/>
-              <a:lumOff val="49"/>
+              <a:hueOff val="-685432"/>
+              <a:satOff val="-358"/>
+              <a:lumOff val="31"/>
               <a:alphaOff val="0"/>
             </a:schemeClr>
           </a:solidFill>
@@ -1648,12 +1824,12 @@
         <a:fontRef idx="minor"/>
       </dsp:style>
       <dsp:txBody>
-        <a:bodyPr spcFirstLastPara="0" vert="horz" wrap="square" lIns="163576" tIns="29210" rIns="163576" bIns="29210" numCol="1" spcCol="1270" anchor="ctr" anchorCtr="0">
+        <a:bodyPr spcFirstLastPara="0" vert="horz" wrap="square" lIns="56896" tIns="10160" rIns="56896" bIns="10160" numCol="1" spcCol="1270" anchor="ctr" anchorCtr="0">
           <a:noAutofit/>
         </a:bodyPr>
         <a:lstStyle/>
         <a:p>
-          <a:pPr marL="0" lvl="0" indent="0" algn="ctr" defTabSz="1022350">
+          <a:pPr marL="0" lvl="0" indent="0" algn="ctr" defTabSz="355600">
             <a:lnSpc>
               <a:spcPct val="90000"/>
             </a:lnSpc>
@@ -1666,14 +1842,96 @@
             <a:buNone/>
           </a:pPr>
           <a:r>
-            <a:rPr lang="en-US" sz="2300" kern="1200" dirty="0"/>
-            <a:t>Task Description</a:t>
+            <a:rPr lang="en-US" sz="800" kern="1200" dirty="0"/>
+            <a:t>Create the four tables as seen in the image to the left.</a:t>
           </a:r>
         </a:p>
       </dsp:txBody>
       <dsp:txXfrm>
-        <a:off x="2400300" y="4031779"/>
-        <a:ext cx="2400300" cy="519979"/>
+        <a:off x="2117929" y="5410882"/>
+        <a:ext cx="2114828" cy="697842"/>
+      </dsp:txXfrm>
+    </dsp:sp>
+    <dsp:sp modelId="{993C11F3-B1ED-4AD8-ACDA-C3B89A883F7E}">
+      <dsp:nvSpPr>
+        <dsp:cNvPr id="0" name=""/>
+        <dsp:cNvSpPr/>
+      </dsp:nvSpPr>
+      <dsp:spPr>
+        <a:xfrm>
+          <a:off x="4232758" y="5410882"/>
+          <a:ext cx="2114828" cy="697842"/>
+        </a:xfrm>
+        <a:prstGeom prst="rect">
+          <a:avLst/>
+        </a:prstGeom>
+        <a:solidFill>
+          <a:schemeClr val="accent3">
+            <a:tint val="40000"/>
+            <a:alpha val="90000"/>
+            <a:hueOff val="-1370864"/>
+            <a:satOff val="-716"/>
+            <a:lumOff val="62"/>
+            <a:alphaOff val="0"/>
+          </a:schemeClr>
+        </a:solidFill>
+        <a:ln w="12700" cap="flat" cmpd="sng" algn="ctr">
+          <a:solidFill>
+            <a:schemeClr val="accent3">
+              <a:tint val="40000"/>
+              <a:alpha val="90000"/>
+              <a:hueOff val="-1370864"/>
+              <a:satOff val="-716"/>
+              <a:lumOff val="62"/>
+              <a:alphaOff val="0"/>
+            </a:schemeClr>
+          </a:solidFill>
+          <a:prstDash val="solid"/>
+          <a:miter lim="800000"/>
+        </a:ln>
+        <a:effectLst/>
+      </dsp:spPr>
+      <dsp:style>
+        <a:lnRef idx="2">
+          <a:scrgbClr r="0" g="0" b="0"/>
+        </a:lnRef>
+        <a:fillRef idx="1">
+          <a:scrgbClr r="0" g="0" b="0"/>
+        </a:fillRef>
+        <a:effectRef idx="0">
+          <a:scrgbClr r="0" g="0" b="0"/>
+        </a:effectRef>
+        <a:fontRef idx="minor"/>
+      </dsp:style>
+      <dsp:txBody>
+        <a:bodyPr spcFirstLastPara="0" vert="horz" wrap="square" lIns="56896" tIns="10160" rIns="56896" bIns="10160" numCol="1" spcCol="1270" anchor="ctr" anchorCtr="0">
+          <a:noAutofit/>
+        </a:bodyPr>
+        <a:lstStyle/>
+        <a:p>
+          <a:pPr marL="0" lvl="0" indent="0" algn="ctr" defTabSz="355600">
+            <a:lnSpc>
+              <a:spcPct val="90000"/>
+            </a:lnSpc>
+            <a:spcBef>
+              <a:spcPct val="0"/>
+            </a:spcBef>
+            <a:spcAft>
+              <a:spcPct val="35000"/>
+            </a:spcAft>
+            <a:buFont typeface="Arial" panose="020B0604020202020204" pitchFamily="34" charset="0"/>
+            <a:buNone/>
+          </a:pPr>
+          <a:r>
+            <a:rPr lang="en-US" sz="800" b="0" i="0" kern="1200" dirty="0"/>
+            <a:t>Create a database connection to postgres and Load data into tables.</a:t>
+          </a:r>
+          <a:endParaRPr lang="en-US" sz="800" kern="1200" dirty="0"/>
+        </a:p>
+      </dsp:txBody>
+      <dsp:txXfrm>
+        <a:off x="4232758" y="5410882"/>
+        <a:ext cx="2114828" cy="697842"/>
       </dsp:txXfrm>
     </dsp:sp>
     <dsp:sp modelId="{80AD606B-F25E-46DF-B405-18F7D2EAE74A}">
@@ -1683,8 +1941,8 @@
       </dsp:nvSpPr>
       <dsp:spPr>
         <a:xfrm rot="10800000">
-          <a:off x="0" y="1722392"/>
-          <a:ext cx="4800600" cy="1738539"/>
+          <a:off x="0" y="2311550"/>
+          <a:ext cx="6350687" cy="2333221"/>
         </a:xfrm>
         <a:prstGeom prst="upArrowCallout">
           <a:avLst/>
@@ -1726,12 +1984,12 @@
         </a:fontRef>
       </dsp:style>
       <dsp:txBody>
-        <a:bodyPr spcFirstLastPara="0" vert="horz" wrap="square" lIns="156464" tIns="156464" rIns="156464" bIns="156464" numCol="1" spcCol="1270" anchor="ctr" anchorCtr="0">
+        <a:bodyPr spcFirstLastPara="0" vert="horz" wrap="square" lIns="213360" tIns="213360" rIns="213360" bIns="213360" numCol="1" spcCol="1270" anchor="ctr" anchorCtr="0">
           <a:noAutofit/>
         </a:bodyPr>
         <a:lstStyle/>
         <a:p>
-          <a:pPr marL="0" lvl="0" indent="0" algn="ctr" defTabSz="977900">
+          <a:pPr marL="0" lvl="0" indent="0" algn="ctr" defTabSz="1333500">
             <a:lnSpc>
               <a:spcPct val="90000"/>
             </a:lnSpc>
@@ -1744,14 +2002,14 @@
             <a:buNone/>
           </a:pPr>
           <a:r>
-            <a:rPr lang="en-US" sz="2200" kern="1200" dirty="0"/>
-            <a:t>Step 2</a:t>
+            <a:rPr lang="en-US" sz="3000" kern="1200" dirty="0"/>
+            <a:t>Transformation of Data</a:t>
           </a:r>
         </a:p>
       </dsp:txBody>
       <dsp:txXfrm rot="-10800000">
-        <a:off x="0" y="1722392"/>
-        <a:ext cx="4800600" cy="610227"/>
+        <a:off x="0" y="2311550"/>
+        <a:ext cx="6350687" cy="818960"/>
       </dsp:txXfrm>
     </dsp:sp>
     <dsp:sp modelId="{A8E0F749-66B2-490B-99E9-CC106B163B16}">
@@ -1761,8 +2019,8 @@
       </dsp:nvSpPr>
       <dsp:spPr>
         <a:xfrm>
-          <a:off x="0" y="2332619"/>
-          <a:ext cx="2400300" cy="519823"/>
+          <a:off x="0" y="3130511"/>
+          <a:ext cx="1587671" cy="697633"/>
         </a:xfrm>
         <a:prstGeom prst="rect">
           <a:avLst/>
@@ -1771,9 +2029,9 @@
           <a:schemeClr val="accent3">
             <a:tint val="40000"/>
             <a:alpha val="90000"/>
-            <a:hueOff val="-2193382"/>
-            <a:satOff val="-1145"/>
-            <a:lumOff val="99"/>
+            <a:hueOff val="-2056295"/>
+            <a:satOff val="-1074"/>
+            <a:lumOff val="93"/>
             <a:alphaOff val="0"/>
           </a:schemeClr>
         </a:solidFill>
@@ -1782,9 +2040,9 @@
             <a:schemeClr val="accent3">
               <a:tint val="40000"/>
               <a:alpha val="90000"/>
-              <a:hueOff val="-2193382"/>
-              <a:satOff val="-1145"/>
-              <a:lumOff val="99"/>
+              <a:hueOff val="-2056295"/>
+              <a:satOff val="-1074"/>
+              <a:lumOff val="93"/>
               <a:alphaOff val="0"/>
             </a:schemeClr>
           </a:solidFill>
@@ -1806,12 +2064,12 @@
         <a:fontRef idx="minor"/>
       </dsp:style>
       <dsp:txBody>
-        <a:bodyPr spcFirstLastPara="0" vert="horz" wrap="square" lIns="163576" tIns="29210" rIns="163576" bIns="29210" numCol="1" spcCol="1270" anchor="ctr" anchorCtr="0">
+        <a:bodyPr spcFirstLastPara="0" vert="horz" wrap="square" lIns="56896" tIns="10160" rIns="56896" bIns="10160" numCol="1" spcCol="1270" anchor="ctr" anchorCtr="0">
           <a:noAutofit/>
         </a:bodyPr>
         <a:lstStyle/>
         <a:p>
-          <a:pPr marL="0" lvl="0" indent="0" algn="ctr" defTabSz="1022350">
+          <a:pPr marL="0" lvl="0" indent="0" algn="ctr" defTabSz="355600">
             <a:lnSpc>
               <a:spcPct val="90000"/>
             </a:lnSpc>
@@ -1824,14 +2082,14 @@
             <a:buNone/>
           </a:pPr>
           <a:r>
-            <a:rPr lang="en-US" sz="2300" kern="1200" dirty="0"/>
-            <a:t>Task Description</a:t>
+            <a:rPr lang="en-US" sz="800" kern="1200" dirty="0"/>
+            <a:t>Import all Dependencies and setup CSV Panda reads.</a:t>
           </a:r>
         </a:p>
       </dsp:txBody>
       <dsp:txXfrm>
-        <a:off x="0" y="2332619"/>
-        <a:ext cx="2400300" cy="519823"/>
+        <a:off x="0" y="3130511"/>
+        <a:ext cx="1587671" cy="697633"/>
       </dsp:txXfrm>
     </dsp:sp>
     <dsp:sp modelId="{A6EE397C-6C28-4128-BFFE-CFF44F70153F}">
@@ -1841,8 +2099,8 @@
       </dsp:nvSpPr>
       <dsp:spPr>
         <a:xfrm>
-          <a:off x="2400300" y="2332619"/>
-          <a:ext cx="2400300" cy="519823"/>
+          <a:off x="1587672" y="3130511"/>
+          <a:ext cx="1587671" cy="697633"/>
         </a:xfrm>
         <a:prstGeom prst="rect">
           <a:avLst/>
@@ -1851,9 +2109,9 @@
           <a:schemeClr val="accent3">
             <a:tint val="40000"/>
             <a:alpha val="90000"/>
-            <a:hueOff val="-3290073"/>
-            <a:satOff val="-1718"/>
-            <a:lumOff val="148"/>
+            <a:hueOff val="-2741727"/>
+            <a:satOff val="-1431"/>
+            <a:lumOff val="123"/>
             <a:alphaOff val="0"/>
           </a:schemeClr>
         </a:solidFill>
@@ -1862,9 +2120,9 @@
             <a:schemeClr val="accent3">
               <a:tint val="40000"/>
               <a:alpha val="90000"/>
-              <a:hueOff val="-3290073"/>
-              <a:satOff val="-1718"/>
-              <a:lumOff val="148"/>
+              <a:hueOff val="-2741727"/>
+              <a:satOff val="-1431"/>
+              <a:lumOff val="123"/>
               <a:alphaOff val="0"/>
             </a:schemeClr>
           </a:solidFill>
@@ -1886,12 +2144,94 @@
         <a:fontRef idx="minor"/>
       </dsp:style>
       <dsp:txBody>
-        <a:bodyPr spcFirstLastPara="0" vert="horz" wrap="square" lIns="163576" tIns="29210" rIns="163576" bIns="29210" numCol="1" spcCol="1270" anchor="ctr" anchorCtr="0">
+        <a:bodyPr spcFirstLastPara="0" vert="horz" wrap="square" lIns="56896" tIns="10160" rIns="56896" bIns="10160" numCol="1" spcCol="1270" anchor="ctr" anchorCtr="0">
           <a:noAutofit/>
         </a:bodyPr>
         <a:lstStyle/>
         <a:p>
-          <a:pPr marL="0" lvl="0" indent="0" algn="ctr" defTabSz="1022350">
+          <a:pPr marL="0" lvl="0" indent="0" algn="ctr" defTabSz="355600">
+            <a:lnSpc>
+              <a:spcPct val="90000"/>
+            </a:lnSpc>
+            <a:spcBef>
+              <a:spcPct val="0"/>
+            </a:spcBef>
+            <a:spcAft>
+              <a:spcPct val="35000"/>
+            </a:spcAft>
+            <a:buFont typeface="Arial" panose="020B0604020202020204" pitchFamily="34" charset="0"/>
+            <a:buNone/>
+          </a:pPr>
+          <a:r>
+            <a:rPr lang="en-US" sz="800" b="0" i="0" kern="1200" dirty="0"/>
+            <a:t>Create clean incident/employment data table by dropping additional columns and rename remaining columns from data frames.</a:t>
+          </a:r>
+          <a:endParaRPr lang="en-US" sz="800" kern="1200" dirty="0"/>
+        </a:p>
+      </dsp:txBody>
+      <dsp:txXfrm>
+        <a:off x="1587672" y="3130511"/>
+        <a:ext cx="1587671" cy="697633"/>
+      </dsp:txXfrm>
+    </dsp:sp>
+    <dsp:sp modelId="{544CA514-8654-4A3B-9754-43B068C5E047}">
+      <dsp:nvSpPr>
+        <dsp:cNvPr id="0" name=""/>
+        <dsp:cNvSpPr/>
+      </dsp:nvSpPr>
+      <dsp:spPr>
+        <a:xfrm>
+          <a:off x="3175343" y="3130511"/>
+          <a:ext cx="1587671" cy="697633"/>
+        </a:xfrm>
+        <a:prstGeom prst="rect">
+          <a:avLst/>
+        </a:prstGeom>
+        <a:solidFill>
+          <a:schemeClr val="accent3">
+            <a:tint val="40000"/>
+            <a:alpha val="90000"/>
+            <a:hueOff val="-3427159"/>
+            <a:satOff val="-1789"/>
+            <a:lumOff val="154"/>
+            <a:alphaOff val="0"/>
+          </a:schemeClr>
+        </a:solidFill>
+        <a:ln w="12700" cap="flat" cmpd="sng" algn="ctr">
+          <a:solidFill>
+            <a:schemeClr val="accent3">
+              <a:tint val="40000"/>
+              <a:alpha val="90000"/>
+              <a:hueOff val="-3427159"/>
+              <a:satOff val="-1789"/>
+              <a:lumOff val="154"/>
+              <a:alphaOff val="0"/>
+            </a:schemeClr>
+          </a:solidFill>
+          <a:prstDash val="solid"/>
+          <a:miter lim="800000"/>
+        </a:ln>
+        <a:effectLst/>
+      </dsp:spPr>
+      <dsp:style>
+        <a:lnRef idx="2">
+          <a:scrgbClr r="0" g="0" b="0"/>
+        </a:lnRef>
+        <a:fillRef idx="1">
+          <a:scrgbClr r="0" g="0" b="0"/>
+        </a:fillRef>
+        <a:effectRef idx="0">
+          <a:scrgbClr r="0" g="0" b="0"/>
+        </a:effectRef>
+        <a:fontRef idx="minor"/>
+      </dsp:style>
+      <dsp:txBody>
+        <a:bodyPr spcFirstLastPara="0" vert="horz" wrap="square" lIns="56896" tIns="10160" rIns="56896" bIns="10160" numCol="1" spcCol="1270" anchor="ctr" anchorCtr="0">
+          <a:noAutofit/>
+        </a:bodyPr>
+        <a:lstStyle/>
+        <a:p>
+          <a:pPr marL="0" lvl="0" indent="0" algn="ctr" defTabSz="355600">
             <a:lnSpc>
               <a:spcPct val="90000"/>
             </a:lnSpc>
@@ -1904,14 +2244,95 @@
             <a:buNone/>
           </a:pPr>
           <a:r>
-            <a:rPr lang="en-US" sz="2300" kern="1200" dirty="0"/>
-            <a:t>Task Description</a:t>
+            <a:rPr lang="en-US" sz="800" b="0" i="0" kern="1200" dirty="0"/>
+            <a:t>Replace identified 'dirty' data values in the incident_data table.</a:t>
+          </a:r>
+          <a:endParaRPr lang="en-US" sz="800" kern="1200" dirty="0"/>
+        </a:p>
+      </dsp:txBody>
+      <dsp:txXfrm>
+        <a:off x="3175343" y="3130511"/>
+        <a:ext cx="1587671" cy="697633"/>
+      </dsp:txXfrm>
+    </dsp:sp>
+    <dsp:sp modelId="{6D79938F-F3C5-4FC0-981B-4FE13002283A}">
+      <dsp:nvSpPr>
+        <dsp:cNvPr id="0" name=""/>
+        <dsp:cNvSpPr/>
+      </dsp:nvSpPr>
+      <dsp:spPr>
+        <a:xfrm>
+          <a:off x="4763015" y="3130511"/>
+          <a:ext cx="1587671" cy="697633"/>
+        </a:xfrm>
+        <a:prstGeom prst="rect">
+          <a:avLst/>
+        </a:prstGeom>
+        <a:solidFill>
+          <a:schemeClr val="accent3">
+            <a:tint val="40000"/>
+            <a:alpha val="90000"/>
+            <a:hueOff val="-4112591"/>
+            <a:satOff val="-2147"/>
+            <a:lumOff val="185"/>
+            <a:alphaOff val="0"/>
+          </a:schemeClr>
+        </a:solidFill>
+        <a:ln w="12700" cap="flat" cmpd="sng" algn="ctr">
+          <a:solidFill>
+            <a:schemeClr val="accent3">
+              <a:tint val="40000"/>
+              <a:alpha val="90000"/>
+              <a:hueOff val="-4112591"/>
+              <a:satOff val="-2147"/>
+              <a:lumOff val="185"/>
+              <a:alphaOff val="0"/>
+            </a:schemeClr>
+          </a:solidFill>
+          <a:prstDash val="solid"/>
+          <a:miter lim="800000"/>
+        </a:ln>
+        <a:effectLst/>
+      </dsp:spPr>
+      <dsp:style>
+        <a:lnRef idx="2">
+          <a:scrgbClr r="0" g="0" b="0"/>
+        </a:lnRef>
+        <a:fillRef idx="1">
+          <a:scrgbClr r="0" g="0" b="0"/>
+        </a:fillRef>
+        <a:effectRef idx="0">
+          <a:scrgbClr r="0" g="0" b="0"/>
+        </a:effectRef>
+        <a:fontRef idx="minor"/>
+      </dsp:style>
+      <dsp:txBody>
+        <a:bodyPr spcFirstLastPara="0" vert="horz" wrap="square" lIns="56896" tIns="10160" rIns="56896" bIns="10160" numCol="1" spcCol="1270" anchor="ctr" anchorCtr="0">
+          <a:noAutofit/>
+        </a:bodyPr>
+        <a:lstStyle/>
+        <a:p>
+          <a:pPr marL="0" lvl="0" indent="0" algn="ctr" defTabSz="355600">
+            <a:lnSpc>
+              <a:spcPct val="90000"/>
+            </a:lnSpc>
+            <a:spcBef>
+              <a:spcPct val="0"/>
+            </a:spcBef>
+            <a:spcAft>
+              <a:spcPct val="35000"/>
+            </a:spcAft>
+            <a:buNone/>
+          </a:pPr>
+          <a:r>
+            <a:rPr lang="en-US" sz="800" kern="1200" dirty="0"/>
+            <a:t>Group and count the Top 20 Mine sites and filter tables to only include those.</a:t>
           </a:r>
         </a:p>
       </dsp:txBody>
       <dsp:txXfrm>
-        <a:off x="2400300" y="2332619"/>
-        <a:ext cx="2400300" cy="519823"/>
+        <a:off x="4763015" y="3130511"/>
+        <a:ext cx="1587671" cy="697633"/>
       </dsp:txXfrm>
     </dsp:sp>
     <dsp:sp modelId="{A48265CE-F3A3-46DB-9DD2-97590B4DBB84}">
@@ -1921,8 +2342,8 @@
       </dsp:nvSpPr>
       <dsp:spPr>
         <a:xfrm rot="10800000">
-          <a:off x="0" y="808"/>
-          <a:ext cx="4800600" cy="1738539"/>
+          <a:off x="0" y="0"/>
+          <a:ext cx="6350687" cy="2333221"/>
         </a:xfrm>
         <a:prstGeom prst="upArrowCallout">
           <a:avLst/>
@@ -1964,12 +2385,12 @@
         </a:fontRef>
       </dsp:style>
       <dsp:txBody>
-        <a:bodyPr spcFirstLastPara="0" vert="horz" wrap="square" lIns="156464" tIns="156464" rIns="156464" bIns="156464" numCol="1" spcCol="1270" anchor="ctr" anchorCtr="0">
+        <a:bodyPr spcFirstLastPara="0" vert="horz" wrap="square" lIns="213360" tIns="213360" rIns="213360" bIns="213360" numCol="1" spcCol="1270" anchor="ctr" anchorCtr="0">
           <a:noAutofit/>
         </a:bodyPr>
         <a:lstStyle/>
         <a:p>
-          <a:pPr marL="0" lvl="0" indent="0" algn="ctr" defTabSz="977900">
+          <a:pPr marL="0" lvl="0" indent="0" algn="ctr" defTabSz="1333500">
             <a:lnSpc>
               <a:spcPct val="90000"/>
             </a:lnSpc>
@@ -1982,14 +2403,14 @@
             <a:buNone/>
           </a:pPr>
           <a:r>
-            <a:rPr lang="en-US" sz="2200" kern="1200" dirty="0"/>
-            <a:t>Step 1</a:t>
+            <a:rPr lang="en-US" sz="3000" kern="1200" dirty="0"/>
+            <a:t>Data Sourcing and Extraction</a:t>
           </a:r>
         </a:p>
       </dsp:txBody>
       <dsp:txXfrm rot="-10800000">
-        <a:off x="0" y="808"/>
-        <a:ext cx="4800600" cy="610227"/>
+        <a:off x="0" y="0"/>
+        <a:ext cx="6350687" cy="818960"/>
       </dsp:txXfrm>
     </dsp:sp>
     <dsp:sp modelId="{59FFE57C-E5F2-4FBD-AA4D-8DB27381892F}">
@@ -1999,8 +2420,8 @@
       </dsp:nvSpPr>
       <dsp:spPr>
         <a:xfrm>
-          <a:off x="0" y="611036"/>
-          <a:ext cx="2400300" cy="519823"/>
+          <a:off x="0" y="820046"/>
+          <a:ext cx="3175343" cy="697633"/>
         </a:xfrm>
         <a:prstGeom prst="rect">
           <a:avLst/>
@@ -2009,9 +2430,9 @@
           <a:schemeClr val="accent3">
             <a:tint val="40000"/>
             <a:alpha val="90000"/>
-            <a:hueOff val="-4386764"/>
-            <a:satOff val="-2290"/>
-            <a:lumOff val="198"/>
+            <a:hueOff val="-4798023"/>
+            <a:satOff val="-2505"/>
+            <a:lumOff val="216"/>
             <a:alphaOff val="0"/>
           </a:schemeClr>
         </a:solidFill>
@@ -2020,9 +2441,9 @@
             <a:schemeClr val="accent3">
               <a:tint val="40000"/>
               <a:alpha val="90000"/>
-              <a:hueOff val="-4386764"/>
-              <a:satOff val="-2290"/>
-              <a:lumOff val="198"/>
+              <a:hueOff val="-4798023"/>
+              <a:satOff val="-2505"/>
+              <a:lumOff val="216"/>
               <a:alphaOff val="0"/>
             </a:schemeClr>
           </a:solidFill>
@@ -2044,12 +2465,12 @@
         <a:fontRef idx="minor"/>
       </dsp:style>
       <dsp:txBody>
-        <a:bodyPr spcFirstLastPara="0" vert="horz" wrap="square" lIns="163576" tIns="29210" rIns="163576" bIns="29210" numCol="1" spcCol="1270" anchor="ctr" anchorCtr="0">
+        <a:bodyPr spcFirstLastPara="0" vert="horz" wrap="square" lIns="56896" tIns="10160" rIns="56896" bIns="10160" numCol="1" spcCol="1270" anchor="ctr" anchorCtr="0">
           <a:noAutofit/>
         </a:bodyPr>
         <a:lstStyle/>
         <a:p>
-          <a:pPr marL="0" lvl="0" indent="0" algn="ctr" defTabSz="1022350">
+          <a:pPr marL="0" lvl="0" indent="0" algn="ctr" defTabSz="355600">
             <a:lnSpc>
               <a:spcPct val="90000"/>
             </a:lnSpc>
@@ -2062,14 +2483,25 @@
             <a:buNone/>
           </a:pPr>
           <a:r>
-            <a:rPr lang="en-US" sz="2300" kern="1200" dirty="0"/>
-            <a:t>Task Description</a:t>
+            <a:rPr lang="en-US" sz="800" kern="1200" dirty="0"/>
+            <a:t>Source data from </a:t>
           </a:r>
+          <a:r>
+            <a:rPr lang="en-AU" sz="800" b="0" i="0" kern="1200" dirty="0">
+              <a:hlinkClick xmlns:r="http://schemas.openxmlformats.org/officeDocument/2006/relationships" r:id="rId1"/>
+            </a:rPr>
+            <a:t>https://www.cdc.gov/niosh/mining/data/</a:t>
+          </a:r>
+          <a:r>
+            <a:rPr lang="en-AU" sz="800" b="0" i="0" kern="1200" dirty="0"/>
+            <a:t> and download relevant CSV datasets</a:t>
+          </a:r>
+          <a:endParaRPr lang="en-US" sz="800" kern="1200" dirty="0"/>
         </a:p>
       </dsp:txBody>
       <dsp:txXfrm>
-        <a:off x="0" y="611036"/>
-        <a:ext cx="2400300" cy="519823"/>
+        <a:off x="0" y="820046"/>
+        <a:ext cx="3175343" cy="697633"/>
       </dsp:txXfrm>
     </dsp:sp>
     <dsp:sp modelId="{3EC7D028-ECEA-492B-A6F1-68E9B57B69C6}">
@@ -2079,8 +2511,8 @@
       </dsp:nvSpPr>
       <dsp:spPr>
         <a:xfrm>
-          <a:off x="2400300" y="611036"/>
-          <a:ext cx="2400300" cy="519823"/>
+          <a:off x="3175343" y="820046"/>
+          <a:ext cx="3175343" cy="697633"/>
         </a:xfrm>
         <a:prstGeom prst="rect">
           <a:avLst/>
@@ -2124,12 +2556,12 @@
         <a:fontRef idx="minor"/>
       </dsp:style>
       <dsp:txBody>
-        <a:bodyPr spcFirstLastPara="0" vert="horz" wrap="square" lIns="163576" tIns="29210" rIns="163576" bIns="29210" numCol="1" spcCol="1270" anchor="ctr" anchorCtr="0">
+        <a:bodyPr spcFirstLastPara="0" vert="horz" wrap="square" lIns="56896" tIns="10160" rIns="56896" bIns="10160" numCol="1" spcCol="1270" anchor="ctr" anchorCtr="0">
           <a:noAutofit/>
         </a:bodyPr>
         <a:lstStyle/>
         <a:p>
-          <a:pPr marL="0" lvl="0" indent="0" algn="ctr" defTabSz="1022350">
+          <a:pPr marL="0" lvl="0" indent="0" algn="ctr" defTabSz="355600">
             <a:lnSpc>
               <a:spcPct val="90000"/>
             </a:lnSpc>
@@ -2142,14 +2574,25 @@
             <a:buNone/>
           </a:pPr>
           <a:r>
-            <a:rPr lang="en-US" sz="2300" kern="1200" dirty="0"/>
-            <a:t>Task Description</a:t>
+            <a:rPr lang="en-US" sz="800" kern="1200" dirty="0"/>
+            <a:t>Using Excel and </a:t>
           </a:r>
+          <a:r>
+            <a:rPr lang="en-AU" sz="800" b="0" i="0" kern="1200" dirty="0">
+              <a:hlinkClick xmlns:r="http://schemas.openxmlformats.org/officeDocument/2006/relationships" r:id="rId2"/>
+            </a:rPr>
+            <a:t>http://www.quickdatabasediagrams.com</a:t>
+          </a:r>
+          <a:r>
+            <a:rPr lang="en-AU" sz="800" b="0" i="0" kern="1200" dirty="0"/>
+            <a:t> we dissected the tables and produced a schema</a:t>
+          </a:r>
+          <a:endParaRPr lang="en-US" sz="800" kern="1200" dirty="0"/>
         </a:p>
       </dsp:txBody>
       <dsp:txXfrm>
-        <a:off x="2400300" y="611036"/>
-        <a:ext cx="2400300" cy="519823"/>
+        <a:off x="3175343" y="820046"/>
+        <a:ext cx="3175343" cy="697633"/>
       </dsp:txXfrm>
     </dsp:sp>
   </dsp:spTree>
@@ -8337,7 +8780,7 @@
           <a:p>
             <a:r>
               <a:rPr lang="en-US" dirty="0"/>
-              <a:t>Data Story/Sourcing </a:t>
+              <a:t>Data Story</a:t>
             </a:r>
           </a:p>
         </p:txBody>
@@ -8358,12 +8801,64 @@
             <p:ph idx="1"/>
           </p:nvPr>
         </p:nvSpPr>
-        <p:spPr/>
+        <p:spPr>
+          <a:xfrm>
+            <a:off x="1069616" y="2186779"/>
+            <a:ext cx="9144000" cy="4572001"/>
+          </a:xfrm>
+        </p:spPr>
         <p:txBody>
-          <a:bodyPr/>
+          <a:bodyPr>
+            <a:normAutofit/>
+          </a:bodyPr>
           <a:lstStyle/>
           <a:p>
-            <a:endParaRPr lang="en-AU" dirty="0"/>
+            <a:pPr marL="0" indent="0">
+              <a:buNone/>
+            </a:pPr>
+            <a:endParaRPr lang="en-US" sz="1600" b="1" dirty="0">
+              <a:solidFill>
+                <a:srgbClr val="FF0000"/>
+              </a:solidFill>
+            </a:endParaRPr>
+          </a:p>
+          <a:p>
+            <a:pPr marL="0" indent="0">
+              <a:buNone/>
+            </a:pPr>
+            <a:r>
+              <a:rPr lang="en-US" sz="2000" dirty="0"/>
+              <a:t>A couple of weeks back the Safety Team have requested we prepare a new database for the storage and query (as required), of regulator (external) injury data from 2020. This database allowed the team to complete analysis of our company injuries with industry, the time has come to make this fantastic new database useful.</a:t>
+            </a:r>
+          </a:p>
+          <a:p>
+            <a:pPr marL="0" indent="0">
+              <a:buNone/>
+            </a:pPr>
+            <a:r>
+              <a:rPr lang="en-US" sz="2000" dirty="0"/>
+              <a:t>So, following the Safety Team's exemplary feedback relating the ETL Project, they have now asked for detailed interactive Dashboard to view the top 20 mining companies' injury data.</a:t>
+            </a:r>
+          </a:p>
+          <a:p>
+            <a:pPr marL="0" indent="0">
+              <a:buNone/>
+            </a:pPr>
+            <a:endParaRPr lang="en-US" sz="1600" b="1" dirty="0">
+              <a:solidFill>
+                <a:srgbClr val="FF0000"/>
+              </a:solidFill>
+            </a:endParaRPr>
+          </a:p>
+          <a:p>
+            <a:pPr marL="0" indent="0">
+              <a:buNone/>
+            </a:pPr>
+            <a:endParaRPr lang="en-AU" sz="1600" dirty="0">
+              <a:solidFill>
+                <a:srgbClr val="FF0000"/>
+              </a:solidFill>
+            </a:endParaRPr>
           </a:p>
         </p:txBody>
       </p:sp>
@@ -8396,7 +8891,7 @@
         </p:blipFill>
         <p:spPr bwMode="auto">
           <a:xfrm>
-            <a:off x="5447928" y="332656"/>
+            <a:off x="3431704" y="332656"/>
             <a:ext cx="1111584" cy="741056"/>
           </a:xfrm>
           <a:prstGeom prst="rect">
@@ -8525,40 +9020,6 @@
           </a:p>
         </p:txBody>
       </p:sp>
-      <p:sp>
-        <p:nvSpPr>
-          <p:cNvPr id="3" name="Content Placeholder 2"/>
-          <p:cNvSpPr>
-            <a:spLocks noGrp="1"/>
-          </p:cNvSpPr>
-          <p:nvPr>
-            <p:ph sz="half" idx="1"/>
-          </p:nvPr>
-        </p:nvSpPr>
-        <p:spPr/>
-        <p:txBody>
-          <a:bodyPr/>
-          <a:lstStyle/>
-          <a:p>
-            <a:r>
-              <a:rPr lang="en-US" dirty="0"/>
-              <a:t>First bullet point here</a:t>
-            </a:r>
-          </a:p>
-          <a:p>
-            <a:r>
-              <a:rPr lang="en-US" dirty="0"/>
-              <a:t>Second bullet point here</a:t>
-            </a:r>
-          </a:p>
-          <a:p>
-            <a:r>
-              <a:rPr lang="en-US" dirty="0"/>
-              <a:t>Third bullet point here</a:t>
-            </a:r>
-          </a:p>
-        </p:txBody>
-      </p:sp>
       <p:graphicFrame>
         <p:nvGraphicFramePr>
           <p:cNvPr id="7" name="Content Placeholder 6" descr="Segmented process showing 3 tasks arranged one below the other with downward pointing arrows to indicate progression from first task to second task and second task to third task. Placeholder text for task description   present under each group."/>
@@ -8569,14 +9030,14 @@
             <p:ph sz="half" idx="2"/>
             <p:extLst>
               <p:ext uri="{D42A27DB-BD31-4B8C-83A1-F6EECF244321}">
-                <p14:modId xmlns:p14="http://schemas.microsoft.com/office/powerpoint/2010/main" val="2057455494"/>
+                <p14:modId xmlns:p14="http://schemas.microsoft.com/office/powerpoint/2010/main" val="253955521"/>
               </p:ext>
             </p:extLst>
           </p:nvPr>
         </p:nvGraphicFramePr>
         <p:xfrm>
-          <a:off x="6324600" y="1825625"/>
-          <a:ext cx="4800600" cy="4575175"/>
+          <a:off x="5577960" y="457201"/>
+          <a:ext cx="6350688" cy="6140151"/>
         </p:xfrm>
         <a:graphic>
           <a:graphicData uri="http://schemas.openxmlformats.org/drawingml/2006/diagram">
@@ -8629,6 +9090,96 @@
               </a14:hiddenFill>
             </a:ext>
           </a:extLst>
+        </p:spPr>
+      </p:pic>
+      <p:pic>
+        <p:nvPicPr>
+          <p:cNvPr id="4" name="Picture 3">
+            <a:extLst>
+              <a:ext uri="{FF2B5EF4-FFF2-40B4-BE49-F238E27FC236}">
+                <a16:creationId xmlns:a16="http://schemas.microsoft.com/office/drawing/2014/main" id="{8D5269A0-FBB1-AC28-34F9-B40EE64ADB65}"/>
+              </a:ext>
+            </a:extLst>
+          </p:cNvPr>
+          <p:cNvPicPr>
+            <a:picLocks noChangeAspect="1"/>
+          </p:cNvPicPr>
+          <p:nvPr/>
+        </p:nvPicPr>
+        <p:blipFill>
+          <a:blip r:embed="rId8"/>
+          <a:stretch>
+            <a:fillRect/>
+          </a:stretch>
+        </p:blipFill>
+        <p:spPr>
+          <a:xfrm>
+            <a:off x="200394" y="1196753"/>
+            <a:ext cx="2888621" cy="1872208"/>
+          </a:xfrm>
+          <a:prstGeom prst="rect">
+            <a:avLst/>
+          </a:prstGeom>
+        </p:spPr>
+      </p:pic>
+      <p:pic>
+        <p:nvPicPr>
+          <p:cNvPr id="9" name="Picture 8">
+            <a:extLst>
+              <a:ext uri="{FF2B5EF4-FFF2-40B4-BE49-F238E27FC236}">
+                <a16:creationId xmlns:a16="http://schemas.microsoft.com/office/drawing/2014/main" id="{50E74BF9-ADC1-7931-ED94-545D131C334E}"/>
+              </a:ext>
+            </a:extLst>
+          </p:cNvPr>
+          <p:cNvPicPr>
+            <a:picLocks noChangeAspect="1"/>
+          </p:cNvPicPr>
+          <p:nvPr/>
+        </p:nvPicPr>
+        <p:blipFill>
+          <a:blip r:embed="rId9"/>
+          <a:stretch>
+            <a:fillRect/>
+          </a:stretch>
+        </p:blipFill>
+        <p:spPr>
+          <a:xfrm>
+            <a:off x="173866" y="4703337"/>
+            <a:ext cx="3406682" cy="1641885"/>
+          </a:xfrm>
+          <a:prstGeom prst="rect">
+            <a:avLst/>
+          </a:prstGeom>
+        </p:spPr>
+      </p:pic>
+      <p:pic>
+        <p:nvPicPr>
+          <p:cNvPr id="6" name="Picture 5">
+            <a:extLst>
+              <a:ext uri="{FF2B5EF4-FFF2-40B4-BE49-F238E27FC236}">
+                <a16:creationId xmlns:a16="http://schemas.microsoft.com/office/drawing/2014/main" id="{F0D8E010-E6B0-C6F1-180F-61C7DC854919}"/>
+              </a:ext>
+            </a:extLst>
+          </p:cNvPr>
+          <p:cNvPicPr>
+            <a:picLocks noChangeAspect="1"/>
+          </p:cNvPicPr>
+          <p:nvPr/>
+        </p:nvPicPr>
+        <p:blipFill>
+          <a:blip r:embed="rId10"/>
+          <a:stretch>
+            <a:fillRect/>
+          </a:stretch>
+        </p:blipFill>
+        <p:spPr>
+          <a:xfrm>
+            <a:off x="2337119" y="2578255"/>
+            <a:ext cx="2997072" cy="2022895"/>
+          </a:xfrm>
+          <a:prstGeom prst="rect">
+            <a:avLst/>
+          </a:prstGeom>
         </p:spPr>
       </p:pic>
     </p:spTree>
@@ -9020,13 +9571,13 @@
   <p:clrMapOvr>
     <a:masterClrMapping/>
   </p:clrMapOvr>
-  <mc:AlternateContent xmlns:mc="http://schemas.openxmlformats.org/markup-compatibility/2006">
-    <mc:Choice xmlns:p14="http://schemas.microsoft.com/office/powerpoint/2010/main" Requires="p14">
+  <mc:AlternateContent xmlns:mc="http://schemas.openxmlformats.org/markup-compatibility/2006" xmlns:p14="http://schemas.microsoft.com/office/powerpoint/2010/main">
+    <mc:Choice Requires="p14">
       <p:transition spd="med" p14:dur="700">
         <p:fade/>
       </p:transition>
     </mc:Choice>
-    <mc:Fallback>
+    <mc:Fallback xmlns="">
       <p:transition spd="med">
         <p:fade/>
       </p:transition>
@@ -9112,13 +9663,13 @@
   <p:clrMapOvr>
     <a:masterClrMapping/>
   </p:clrMapOvr>
-  <mc:AlternateContent xmlns:mc="http://schemas.openxmlformats.org/markup-compatibility/2006">
-    <mc:Choice xmlns:p14="http://schemas.microsoft.com/office/powerpoint/2010/main" Requires="p14">
+  <mc:AlternateContent xmlns:mc="http://schemas.openxmlformats.org/markup-compatibility/2006" xmlns:p14="http://schemas.microsoft.com/office/powerpoint/2010/main">
+    <mc:Choice Requires="p14">
       <p:transition spd="med" p14:dur="700">
         <p:fade/>
       </p:transition>
     </mc:Choice>
-    <mc:Fallback>
+    <mc:Fallback xmlns="">
       <p:transition spd="med">
         <p:fade/>
       </p:transition>

--- a/Project 2.pptx
+++ b/Project 2.pptx
@@ -8190,6 +8190,45 @@
           </a:extLst>
         </p:spPr>
       </p:pic>
+      <p:sp>
+        <p:nvSpPr>
+          <p:cNvPr id="4" name="TextBox 3">
+            <a:extLst>
+              <a:ext uri="{FF2B5EF4-FFF2-40B4-BE49-F238E27FC236}">
+                <a16:creationId xmlns:a16="http://schemas.microsoft.com/office/drawing/2014/main" id="{F3227B39-70F5-394D-AFD3-455CEE1C39BB}"/>
+              </a:ext>
+            </a:extLst>
+          </p:cNvPr>
+          <p:cNvSpPr txBox="1"/>
+          <p:nvPr/>
+        </p:nvSpPr>
+        <p:spPr>
+          <a:xfrm>
+            <a:off x="5951984" y="6309320"/>
+            <a:ext cx="4158959" cy="369332"/>
+          </a:xfrm>
+          <a:prstGeom prst="rect">
+            <a:avLst/>
+          </a:prstGeom>
+          <a:noFill/>
+        </p:spPr>
+        <p:txBody>
+          <a:bodyPr wrap="none" rtlCol="0">
+            <a:spAutoFit/>
+          </a:bodyPr>
+          <a:lstStyle/>
+          <a:p>
+            <a:r>
+              <a:rPr lang="en-AU" dirty="0">
+                <a:solidFill>
+                  <a:schemeClr val="bg1"/>
+                </a:solidFill>
+              </a:rPr>
+              <a:t>By Grant Towers and Nicholas Mcmahon</a:t>
+            </a:r>
+          </a:p>
+        </p:txBody>
+      </p:sp>
     </p:spTree>
     <p:extLst>
       <p:ext uri="{BB962C8B-B14F-4D97-AF65-F5344CB8AC3E}">

--- a/Project 2.pptx
+++ b/Project 2.pptx
@@ -4068,7 +4068,7 @@
           <a:p>
             <a:fld id="{043B725B-653D-4166-A8E9-72A38A1847CF}" type="datetimeFigureOut">
               <a:rPr lang="en-US"/>
-              <a:t>7/19/2022</a:t>
+              <a:t>7/22/2022</a:t>
             </a:fld>
             <a:endParaRPr/>
           </a:p>
@@ -4233,7 +4233,7 @@
           <a:p>
             <a:fld id="{783F64CD-0576-4A9A-BD06-7889D6E60BDC}" type="datetimeFigureOut">
               <a:rPr lang="en-US"/>
-              <a:t>7/19/2022</a:t>
+              <a:t>7/22/2022</a:t>
             </a:fld>
             <a:endParaRPr/>
           </a:p>
@@ -4831,7 +4831,7 @@
           <a:p>
             <a:fld id="{37CC0096-1860-4642-9CD2-0079EA5E7CD1}" type="datetimeFigureOut">
               <a:rPr lang="en-US"/>
-              <a:t>7/19/2022</a:t>
+              <a:t>7/22/2022</a:t>
             </a:fld>
             <a:endParaRPr/>
           </a:p>
@@ -5080,7 +5080,7 @@
           <a:p>
             <a:fld id="{37CC0096-1860-4642-9CD2-0079EA5E7CD1}" type="datetimeFigureOut">
               <a:rPr lang="en-US"/>
-              <a:t>7/19/2022</a:t>
+              <a:t>7/22/2022</a:t>
             </a:fld>
             <a:endParaRPr/>
           </a:p>
@@ -5266,7 +5266,7 @@
           <a:p>
             <a:fld id="{37CC0096-1860-4642-9CD2-0079EA5E7CD1}" type="datetimeFigureOut">
               <a:rPr lang="en-US"/>
-              <a:t>7/19/2022</a:t>
+              <a:t>7/22/2022</a:t>
             </a:fld>
             <a:endParaRPr/>
           </a:p>
@@ -5797,7 +5797,7 @@
           <a:p>
             <a:fld id="{37CC0096-1860-4642-9CD2-0079EA5E7CD1}" type="datetimeFigureOut">
               <a:rPr lang="en-US"/>
-              <a:t>7/19/2022</a:t>
+              <a:t>7/22/2022</a:t>
             </a:fld>
             <a:endParaRPr/>
           </a:p>
@@ -6249,7 +6249,7 @@
           <a:p>
             <a:fld id="{37CC0096-1860-4642-9CD2-0079EA5E7CD1}" type="datetimeFigureOut">
               <a:rPr lang="en-US"/>
-              <a:t>7/19/2022</a:t>
+              <a:t>7/22/2022</a:t>
             </a:fld>
             <a:endParaRPr/>
           </a:p>
@@ -6379,7 +6379,7 @@
           <a:p>
             <a:fld id="{37CC0096-1860-4642-9CD2-0079EA5E7CD1}" type="datetimeFigureOut">
               <a:rPr lang="en-US"/>
-              <a:t>7/19/2022</a:t>
+              <a:t>7/22/2022</a:t>
             </a:fld>
             <a:endParaRPr/>
           </a:p>
@@ -6486,7 +6486,7 @@
           <a:p>
             <a:fld id="{37CC0096-1860-4642-9CD2-0079EA5E7CD1}" type="datetimeFigureOut">
               <a:rPr lang="en-US"/>
-              <a:t>7/19/2022</a:t>
+              <a:t>7/22/2022</a:t>
             </a:fld>
             <a:endParaRPr/>
           </a:p>
@@ -7475,7 +7475,7 @@
             <a:fld id="{37CC0096-1860-4642-9CD2-0079EA5E7CD1}" type="datetimeFigureOut">
               <a:rPr lang="en-US" smtClean="0"/>
               <a:pPr/>
-              <a:t>7/19/2022</a:t>
+              <a:t>7/22/2022</a:t>
             </a:fld>
             <a:endParaRPr lang="en-US" dirty="0"/>
           </a:p>
@@ -8653,11 +8653,11 @@
           <a:p>
             <a:r>
               <a:rPr lang="en-US" dirty="0"/>
-              <a:t>Visualization 4 - </a:t>
+              <a:t>Visualization 4 – </a:t>
             </a:r>
             <a:r>
               <a:rPr lang="en-US" sz="2400" dirty="0"/>
-              <a:t>Horizontal Bar of Incidents By Category</a:t>
+              <a:t>Bar Chart of Incidents By Category</a:t>
             </a:r>
             <a:r>
               <a:rPr lang="en-US" dirty="0"/>
@@ -9408,25 +9408,35 @@
           </a:p>
         </p:txBody>
       </p:sp>
-      <p:sp>
-        <p:nvSpPr>
-          <p:cNvPr id="3" name="Content Placeholder 2"/>
-          <p:cNvSpPr>
-            <a:spLocks noGrp="1"/>
-          </p:cNvSpPr>
+      <p:pic>
+        <p:nvPicPr>
+          <p:cNvPr id="5" name="Content Placeholder 4">
+            <a:extLst>
+              <a:ext uri="{FF2B5EF4-FFF2-40B4-BE49-F238E27FC236}">
+                <a16:creationId xmlns:a16="http://schemas.microsoft.com/office/drawing/2014/main" id="{8C7B0D25-5D16-5CEC-93EE-9C565BBB6126}"/>
+              </a:ext>
+            </a:extLst>
+          </p:cNvPr>
+          <p:cNvPicPr>
+            <a:picLocks noGrp="1" noChangeAspect="1"/>
+          </p:cNvPicPr>
           <p:nvPr>
             <p:ph idx="1"/>
           </p:nvPr>
-        </p:nvSpPr>
-        <p:spPr/>
-        <p:txBody>
-          <a:bodyPr/>
-          <a:lstStyle/>
-          <a:p>
-            <a:endParaRPr lang="en-US"/>
-          </a:p>
-        </p:txBody>
-      </p:sp>
+        </p:nvPicPr>
+        <p:blipFill>
+          <a:blip r:embed="rId2"/>
+          <a:stretch>
+            <a:fillRect/>
+          </a:stretch>
+        </p:blipFill>
+        <p:spPr>
+          <a:xfrm>
+            <a:off x="479376" y="1348470"/>
+            <a:ext cx="6020694" cy="4161060"/>
+          </a:xfrm>
+        </p:spPr>
+      </p:pic>
     </p:spTree>
     <p:extLst>
       <p:ext uri="{BB962C8B-B14F-4D97-AF65-F5344CB8AC3E}">
@@ -9499,18 +9509,36 @@
           </a:p>
         </p:txBody>
       </p:sp>
-      <p:sp>
-        <p:nvSpPr>
-          <p:cNvPr id="3" name="Picture Placeholder 2" descr="An empty placeholder to add an image. Click on the placeholder and select the image that you wish to add."/>
-          <p:cNvSpPr>
-            <a:spLocks noGrp="1"/>
-          </p:cNvSpPr>
-          <p:nvPr>
-            <p:ph type="pic" idx="1"/>
-          </p:nvPr>
-        </p:nvSpPr>
-        <p:spPr/>
-      </p:sp>
+      <p:pic>
+        <p:nvPicPr>
+          <p:cNvPr id="11" name="Picture 10">
+            <a:extLst>
+              <a:ext uri="{FF2B5EF4-FFF2-40B4-BE49-F238E27FC236}">
+                <a16:creationId xmlns:a16="http://schemas.microsoft.com/office/drawing/2014/main" id="{60B686EF-BD48-DE4B-240A-34CB21FDABDB}"/>
+              </a:ext>
+            </a:extLst>
+          </p:cNvPr>
+          <p:cNvPicPr>
+            <a:picLocks noChangeAspect="1"/>
+          </p:cNvPicPr>
+          <p:nvPr/>
+        </p:nvPicPr>
+        <p:blipFill>
+          <a:blip r:embed="rId2"/>
+          <a:stretch>
+            <a:fillRect/>
+          </a:stretch>
+        </p:blipFill>
+        <p:spPr>
+          <a:xfrm>
+            <a:off x="479376" y="1681162"/>
+            <a:ext cx="6143625" cy="3495675"/>
+          </a:xfrm>
+          <a:prstGeom prst="rect">
+            <a:avLst/>
+          </a:prstGeom>
+        </p:spPr>
+      </p:pic>
     </p:spTree>
     <p:extLst>
       <p:ext uri="{BB962C8B-B14F-4D97-AF65-F5344CB8AC3E}">
@@ -9671,7 +9699,7 @@
             </a:br>
             <a:r>
               <a:rPr lang="en-US" sz="2000" dirty="0"/>
-              <a:t>Horizontal Bar of Incidents By Category</a:t>
+              <a:t>Bar Chart of Incidents By Category</a:t>
             </a:r>
             <a:r>
               <a:rPr lang="en-US" dirty="0"/>
@@ -9680,18 +9708,36 @@
           </a:p>
         </p:txBody>
       </p:sp>
-      <p:sp>
-        <p:nvSpPr>
-          <p:cNvPr id="3" name="Picture Placeholder 2" descr="An empty placeholder to add an image. Click on the placeholder and select the image that you wish to add."/>
-          <p:cNvSpPr>
-            <a:spLocks noGrp="1"/>
-          </p:cNvSpPr>
-          <p:nvPr>
-            <p:ph type="pic" idx="1"/>
-          </p:nvPr>
-        </p:nvSpPr>
-        <p:spPr/>
-      </p:sp>
+      <p:pic>
+        <p:nvPicPr>
+          <p:cNvPr id="5" name="Picture 4">
+            <a:extLst>
+              <a:ext uri="{FF2B5EF4-FFF2-40B4-BE49-F238E27FC236}">
+                <a16:creationId xmlns:a16="http://schemas.microsoft.com/office/drawing/2014/main" id="{89F36A64-0B61-BCEF-E765-CE77CA39E80A}"/>
+              </a:ext>
+            </a:extLst>
+          </p:cNvPr>
+          <p:cNvPicPr>
+            <a:picLocks noChangeAspect="1"/>
+          </p:cNvPicPr>
+          <p:nvPr/>
+        </p:nvPicPr>
+        <p:blipFill>
+          <a:blip r:embed="rId2"/>
+          <a:stretch>
+            <a:fillRect/>
+          </a:stretch>
+        </p:blipFill>
+        <p:spPr>
+          <a:xfrm>
+            <a:off x="767408" y="1119187"/>
+            <a:ext cx="5328592" cy="4486695"/>
+          </a:xfrm>
+          <a:prstGeom prst="rect">
+            <a:avLst/>
+          </a:prstGeom>
+        </p:spPr>
+      </p:pic>
     </p:spTree>
     <p:extLst>
       <p:ext uri="{BB962C8B-B14F-4D97-AF65-F5344CB8AC3E}">

--- a/Project 2.pptx
+++ b/Project 2.pptx
@@ -4068,7 +4068,7 @@
           <a:p>
             <a:fld id="{043B725B-653D-4166-A8E9-72A38A1847CF}" type="datetimeFigureOut">
               <a:rPr lang="en-US"/>
-              <a:t>7/22/2022</a:t>
+              <a:t>7/23/2022</a:t>
             </a:fld>
             <a:endParaRPr/>
           </a:p>
@@ -4233,7 +4233,7 @@
           <a:p>
             <a:fld id="{783F64CD-0576-4A9A-BD06-7889D6E60BDC}" type="datetimeFigureOut">
               <a:rPr lang="en-US"/>
-              <a:t>7/22/2022</a:t>
+              <a:t>7/23/2022</a:t>
             </a:fld>
             <a:endParaRPr/>
           </a:p>
@@ -4831,7 +4831,7 @@
           <a:p>
             <a:fld id="{37CC0096-1860-4642-9CD2-0079EA5E7CD1}" type="datetimeFigureOut">
               <a:rPr lang="en-US"/>
-              <a:t>7/22/2022</a:t>
+              <a:t>7/23/2022</a:t>
             </a:fld>
             <a:endParaRPr/>
           </a:p>
@@ -5080,7 +5080,7 @@
           <a:p>
             <a:fld id="{37CC0096-1860-4642-9CD2-0079EA5E7CD1}" type="datetimeFigureOut">
               <a:rPr lang="en-US"/>
-              <a:t>7/22/2022</a:t>
+              <a:t>7/23/2022</a:t>
             </a:fld>
             <a:endParaRPr/>
           </a:p>
@@ -5266,7 +5266,7 @@
           <a:p>
             <a:fld id="{37CC0096-1860-4642-9CD2-0079EA5E7CD1}" type="datetimeFigureOut">
               <a:rPr lang="en-US"/>
-              <a:t>7/22/2022</a:t>
+              <a:t>7/23/2022</a:t>
             </a:fld>
             <a:endParaRPr/>
           </a:p>
@@ -5797,7 +5797,7 @@
           <a:p>
             <a:fld id="{37CC0096-1860-4642-9CD2-0079EA5E7CD1}" type="datetimeFigureOut">
               <a:rPr lang="en-US"/>
-              <a:t>7/22/2022</a:t>
+              <a:t>7/23/2022</a:t>
             </a:fld>
             <a:endParaRPr/>
           </a:p>
@@ -6249,7 +6249,7 @@
           <a:p>
             <a:fld id="{37CC0096-1860-4642-9CD2-0079EA5E7CD1}" type="datetimeFigureOut">
               <a:rPr lang="en-US"/>
-              <a:t>7/22/2022</a:t>
+              <a:t>7/23/2022</a:t>
             </a:fld>
             <a:endParaRPr/>
           </a:p>
@@ -6379,7 +6379,7 @@
           <a:p>
             <a:fld id="{37CC0096-1860-4642-9CD2-0079EA5E7CD1}" type="datetimeFigureOut">
               <a:rPr lang="en-US"/>
-              <a:t>7/22/2022</a:t>
+              <a:t>7/23/2022</a:t>
             </a:fld>
             <a:endParaRPr/>
           </a:p>
@@ -6486,7 +6486,7 @@
           <a:p>
             <a:fld id="{37CC0096-1860-4642-9CD2-0079EA5E7CD1}" type="datetimeFigureOut">
               <a:rPr lang="en-US"/>
-              <a:t>7/22/2022</a:t>
+              <a:t>7/23/2022</a:t>
             </a:fld>
             <a:endParaRPr/>
           </a:p>
@@ -7475,7 +7475,7 @@
             <a:fld id="{37CC0096-1860-4642-9CD2-0079EA5E7CD1}" type="datetimeFigureOut">
               <a:rPr lang="en-US" smtClean="0"/>
               <a:pPr/>
-              <a:t>7/22/2022</a:t>
+              <a:t>7/23/2022</a:t>
             </a:fld>
             <a:endParaRPr lang="en-US" dirty="0"/>
           </a:p>
@@ -7927,8 +7927,16 @@
           <a:lstStyle/>
           <a:p>
             <a:r>
+              <a:rPr lang="en-US" dirty="0">
+                <a:solidFill>
+                  <a:srgbClr val="B82D2F"/>
+                </a:solidFill>
+              </a:rPr>
+              <a:t>Project</a:t>
+            </a:r>
+            <a:r>
               <a:rPr lang="en-US" dirty="0"/>
-              <a:t>Project 2</a:t>
+              <a:t> 2</a:t>
             </a:r>
           </a:p>
         </p:txBody>
@@ -9374,40 +9382,6 @@
           <a:chExt cx="0" cy="0"/>
         </a:xfrm>
       </p:grpSpPr>
-      <p:sp>
-        <p:nvSpPr>
-          <p:cNvPr id="2" name="Title 1"/>
-          <p:cNvSpPr>
-            <a:spLocks noGrp="1"/>
-          </p:cNvSpPr>
-          <p:nvPr>
-            <p:ph type="title"/>
-          </p:nvPr>
-        </p:nvSpPr>
-        <p:spPr/>
-        <p:txBody>
-          <a:bodyPr/>
-          <a:lstStyle/>
-          <a:p>
-            <a:r>
-              <a:rPr lang="en-US" dirty="0"/>
-              <a:t>Visualization 1 </a:t>
-            </a:r>
-            <a:br>
-              <a:rPr lang="en-US" dirty="0"/>
-            </a:br>
-            <a:r>
-              <a:rPr lang="en-US" dirty="0"/>
-              <a:t> </a:t>
-            </a:r>
-            <a:r>
-              <a:rPr lang="en-US" sz="2000" dirty="0"/>
-              <a:t>Mine details data tablet</a:t>
-            </a:r>
-            <a:endParaRPr lang="en-US" dirty="0"/>
-          </a:p>
-        </p:txBody>
-      </p:sp>
       <p:pic>
         <p:nvPicPr>
           <p:cNvPr id="5" name="Content Placeholder 4">
@@ -9437,6 +9411,148 @@
           </a:xfrm>
         </p:spPr>
       </p:pic>
+      <p:sp>
+        <p:nvSpPr>
+          <p:cNvPr id="6" name="Title 1">
+            <a:extLst>
+              <a:ext uri="{FF2B5EF4-FFF2-40B4-BE49-F238E27FC236}">
+                <a16:creationId xmlns:a16="http://schemas.microsoft.com/office/drawing/2014/main" id="{AA9EC58A-394E-3676-634A-6DBE2A440446}"/>
+              </a:ext>
+            </a:extLst>
+          </p:cNvPr>
+          <p:cNvSpPr>
+            <a:spLocks noGrp="1"/>
+          </p:cNvSpPr>
+          <p:nvPr>
+            <p:ph type="title"/>
+          </p:nvPr>
+        </p:nvSpPr>
+        <p:spPr>
+          <a:xfrm>
+            <a:off x="7635240" y="548680"/>
+            <a:ext cx="3932237" cy="5760640"/>
+          </a:xfrm>
+        </p:spPr>
+        <p:txBody>
+          <a:bodyPr anchor="t">
+            <a:normAutofit/>
+          </a:bodyPr>
+          <a:lstStyle/>
+          <a:p>
+            <a:r>
+              <a:rPr lang="en-US" dirty="0"/>
+              <a:t>Visualization 1 </a:t>
+            </a:r>
+            <a:br>
+              <a:rPr lang="en-US" dirty="0"/>
+            </a:br>
+            <a:r>
+              <a:rPr lang="en-US" sz="2000" dirty="0"/>
+              <a:t>Mine Information Overview</a:t>
+            </a:r>
+            <a:br>
+              <a:rPr lang="en-US" sz="2000" dirty="0"/>
+            </a:br>
+            <a:br>
+              <a:rPr lang="en-US" sz="2000" dirty="0"/>
+            </a:br>
+            <a:br>
+              <a:rPr lang="en-US" sz="2000" dirty="0"/>
+            </a:br>
+            <a:br>
+              <a:rPr lang="en-US" sz="2000" dirty="0"/>
+            </a:br>
+            <a:br>
+              <a:rPr lang="en-US" sz="2000" dirty="0">
+                <a:latin typeface="Franklin Gothic Book" panose="020B0503020102020204" pitchFamily="34" charset="0"/>
+              </a:rPr>
+            </a:br>
+            <a:br>
+              <a:rPr lang="en-US" sz="2000" dirty="0">
+                <a:latin typeface="Franklin Gothic Book" panose="020B0503020102020204" pitchFamily="34" charset="0"/>
+              </a:rPr>
+            </a:br>
+            <a:br>
+              <a:rPr lang="en-US" sz="2000" dirty="0">
+                <a:latin typeface="Franklin Gothic Book" panose="020B0503020102020204" pitchFamily="34" charset="0"/>
+              </a:rPr>
+            </a:br>
+            <a:r>
+              <a:rPr lang="en-US" sz="2000" b="1" dirty="0">
+                <a:latin typeface="Franklin Gothic Book" panose="020B0503020102020204" pitchFamily="34" charset="0"/>
+              </a:rPr>
+              <a:t>Data:</a:t>
+            </a:r>
+            <a:br>
+              <a:rPr lang="en-US" sz="2000" dirty="0">
+                <a:latin typeface="Franklin Gothic Book" panose="020B0503020102020204" pitchFamily="34" charset="0"/>
+              </a:rPr>
+            </a:br>
+            <a:r>
+              <a:rPr lang="en-US" sz="2000" dirty="0">
+                <a:latin typeface="Franklin Gothic Book" panose="020B0503020102020204" pitchFamily="34" charset="0"/>
+              </a:rPr>
+              <a:t>- Imported using the </a:t>
+            </a:r>
+            <a:r>
+              <a:rPr lang="en-US" sz="2000" dirty="0" err="1">
+                <a:latin typeface="Franklin Gothic Book" panose="020B0503020102020204" pitchFamily="34" charset="0"/>
+              </a:rPr>
+              <a:t>mine_id</a:t>
+            </a:r>
+            <a:r>
+              <a:rPr lang="en-US" sz="2000" dirty="0">
+                <a:latin typeface="Franklin Gothic Book" panose="020B0503020102020204" pitchFamily="34" charset="0"/>
+              </a:rPr>
+              <a:t>, importing an overview of the Mines information. </a:t>
+            </a:r>
+            <a:br>
+              <a:rPr lang="en-US" sz="2000" dirty="0">
+                <a:latin typeface="Franklin Gothic Book" panose="020B0503020102020204" pitchFamily="34" charset="0"/>
+              </a:rPr>
+            </a:br>
+            <a:br>
+              <a:rPr lang="en-US" sz="2000" dirty="0">
+                <a:latin typeface="Franklin Gothic Book" panose="020B0503020102020204" pitchFamily="34" charset="0"/>
+              </a:rPr>
+            </a:br>
+            <a:br>
+              <a:rPr lang="en-US" sz="2000" dirty="0">
+                <a:latin typeface="Franklin Gothic Book" panose="020B0503020102020204" pitchFamily="34" charset="0"/>
+              </a:rPr>
+            </a:br>
+            <a:r>
+              <a:rPr lang="en-US" sz="2000" b="1" dirty="0">
+                <a:latin typeface="Franklin Gothic Book" panose="020B0503020102020204" pitchFamily="34" charset="0"/>
+              </a:rPr>
+              <a:t>Visualisation Source:</a:t>
+            </a:r>
+            <a:br>
+              <a:rPr lang="en-US" sz="2000" b="1" dirty="0">
+                <a:latin typeface="Franklin Gothic Book" panose="020B0503020102020204" pitchFamily="34" charset="0"/>
+              </a:rPr>
+            </a:br>
+            <a:r>
+              <a:rPr lang="en-US" sz="2000" dirty="0">
+                <a:latin typeface="Franklin Gothic Book" panose="020B0503020102020204" pitchFamily="34" charset="0"/>
+              </a:rPr>
+              <a:t>- </a:t>
+            </a:r>
+            <a:r>
+              <a:rPr lang="en-AU" sz="2000" dirty="0">
+                <a:latin typeface="Franklin Gothic Book" panose="020B0503020102020204" pitchFamily="34" charset="0"/>
+              </a:rPr>
+              <a:t>Generated</a:t>
+            </a:r>
+            <a:r>
+              <a:rPr lang="en-US" sz="2000" dirty="0">
+                <a:latin typeface="Franklin Gothic Book" panose="020B0503020102020204" pitchFamily="34" charset="0"/>
+              </a:rPr>
+              <a:t> using plot.ly</a:t>
+            </a:r>
+          </a:p>
+        </p:txBody>
+      </p:sp>
     </p:spTree>
     <p:extLst>
       <p:ext uri="{BB962C8B-B14F-4D97-AF65-F5344CB8AC3E}">
@@ -9489,9 +9605,16 @@
             <p:ph type="title"/>
           </p:nvPr>
         </p:nvSpPr>
-        <p:spPr/>
+        <p:spPr>
+          <a:xfrm>
+            <a:off x="7635240" y="548680"/>
+            <a:ext cx="3932237" cy="5760640"/>
+          </a:xfrm>
+        </p:spPr>
         <p:txBody>
-          <a:bodyPr/>
+          <a:bodyPr anchor="t">
+            <a:normAutofit/>
+          </a:bodyPr>
           <a:lstStyle/>
           <a:p>
             <a:r>
@@ -9505,7 +9628,106 @@
               <a:rPr lang="en-US" sz="2000" dirty="0"/>
               <a:t>Dual Dataset Injury Donut</a:t>
             </a:r>
-            <a:endParaRPr lang="en-US" dirty="0"/>
+            <a:br>
+              <a:rPr lang="en-US" sz="2000" dirty="0"/>
+            </a:br>
+            <a:br>
+              <a:rPr lang="en-US" sz="2000" dirty="0"/>
+            </a:br>
+            <a:br>
+              <a:rPr lang="en-US" sz="2000" dirty="0"/>
+            </a:br>
+            <a:br>
+              <a:rPr lang="en-US" sz="2000" dirty="0"/>
+            </a:br>
+            <a:br>
+              <a:rPr lang="en-US" sz="2000" dirty="0">
+                <a:latin typeface="Franklin Gothic Book" panose="020B0503020102020204" pitchFamily="34" charset="0"/>
+              </a:rPr>
+            </a:br>
+            <a:br>
+              <a:rPr lang="en-US" sz="2000" dirty="0">
+                <a:latin typeface="Franklin Gothic Book" panose="020B0503020102020204" pitchFamily="34" charset="0"/>
+              </a:rPr>
+            </a:br>
+            <a:br>
+              <a:rPr lang="en-US" sz="2000" dirty="0">
+                <a:latin typeface="Franklin Gothic Book" panose="020B0503020102020204" pitchFamily="34" charset="0"/>
+              </a:rPr>
+            </a:br>
+            <a:r>
+              <a:rPr lang="en-US" sz="2000" b="1" dirty="0">
+                <a:latin typeface="Franklin Gothic Book" panose="020B0503020102020204" pitchFamily="34" charset="0"/>
+              </a:rPr>
+              <a:t>Data:</a:t>
+            </a:r>
+            <a:br>
+              <a:rPr lang="en-US" sz="2000" dirty="0">
+                <a:latin typeface="Franklin Gothic Book" panose="020B0503020102020204" pitchFamily="34" charset="0"/>
+              </a:rPr>
+            </a:br>
+            <a:r>
+              <a:rPr lang="en-US" sz="2000" dirty="0">
+                <a:latin typeface="Franklin Gothic Book" panose="020B0503020102020204" pitchFamily="34" charset="0"/>
+              </a:rPr>
+              <a:t>- Imported using the </a:t>
+            </a:r>
+            <a:r>
+              <a:rPr lang="en-US" sz="2000" dirty="0" err="1">
+                <a:latin typeface="Franklin Gothic Book" panose="020B0503020102020204" pitchFamily="34" charset="0"/>
+              </a:rPr>
+              <a:t>mine_id</a:t>
+            </a:r>
+            <a:r>
+              <a:rPr lang="en-US" sz="2000" dirty="0">
+                <a:latin typeface="Franklin Gothic Book" panose="020B0503020102020204" pitchFamily="34" charset="0"/>
+              </a:rPr>
+              <a:t> as a filter, then presenting the mines injury data by Body Part and also Nature.</a:t>
+            </a:r>
+            <a:br>
+              <a:rPr lang="en-US" sz="2000" dirty="0">
+                <a:latin typeface="Franklin Gothic Book" panose="020B0503020102020204" pitchFamily="34" charset="0"/>
+              </a:rPr>
+            </a:br>
+            <a:br>
+              <a:rPr lang="en-US" sz="2000" dirty="0">
+                <a:latin typeface="Franklin Gothic Book" panose="020B0503020102020204" pitchFamily="34" charset="0"/>
+              </a:rPr>
+            </a:br>
+            <a:br>
+              <a:rPr lang="en-US" sz="2000" dirty="0">
+                <a:latin typeface="Franklin Gothic Book" panose="020B0503020102020204" pitchFamily="34" charset="0"/>
+              </a:rPr>
+            </a:br>
+            <a:r>
+              <a:rPr lang="en-US" sz="2000" b="1" dirty="0">
+                <a:latin typeface="Franklin Gothic Book" panose="020B0503020102020204" pitchFamily="34" charset="0"/>
+              </a:rPr>
+              <a:t>Visualisation Source:</a:t>
+            </a:r>
+            <a:br>
+              <a:rPr lang="en-US" sz="2000" b="1" dirty="0">
+                <a:latin typeface="Franklin Gothic Book" panose="020B0503020102020204" pitchFamily="34" charset="0"/>
+              </a:rPr>
+            </a:br>
+            <a:r>
+              <a:rPr lang="en-US" sz="2000" dirty="0">
+                <a:latin typeface="Franklin Gothic Book" panose="020B0503020102020204" pitchFamily="34" charset="0"/>
+              </a:rPr>
+              <a:t>- </a:t>
+            </a:r>
+            <a:r>
+              <a:rPr lang="en-AU" sz="2000" dirty="0">
+                <a:latin typeface="Franklin Gothic Book" panose="020B0503020102020204" pitchFamily="34" charset="0"/>
+              </a:rPr>
+              <a:t>Generated</a:t>
+            </a:r>
+            <a:r>
+              <a:rPr lang="en-US" sz="2000" dirty="0">
+                <a:latin typeface="Franklin Gothic Book" panose="020B0503020102020204" pitchFamily="34" charset="0"/>
+              </a:rPr>
+              <a:t> using plot.ly</a:t>
+            </a:r>
           </a:p>
         </p:txBody>
       </p:sp>
@@ -9616,18 +9838,36 @@
           </a:p>
         </p:txBody>
       </p:sp>
-      <p:sp>
-        <p:nvSpPr>
-          <p:cNvPr id="3" name="Picture Placeholder 2" descr="An empty placeholder to add an image. Click on the placeholder and select the image that you wish to add."/>
-          <p:cNvSpPr>
-            <a:spLocks noGrp="1"/>
-          </p:cNvSpPr>
-          <p:nvPr>
-            <p:ph type="pic" idx="1"/>
-          </p:nvPr>
-        </p:nvSpPr>
-        <p:spPr/>
-      </p:sp>
+      <p:pic>
+        <p:nvPicPr>
+          <p:cNvPr id="5" name="Picture 4">
+            <a:extLst>
+              <a:ext uri="{FF2B5EF4-FFF2-40B4-BE49-F238E27FC236}">
+                <a16:creationId xmlns:a16="http://schemas.microsoft.com/office/drawing/2014/main" id="{21C2272F-1328-314B-2C80-8282A3363CF2}"/>
+              </a:ext>
+            </a:extLst>
+          </p:cNvPr>
+          <p:cNvPicPr>
+            <a:picLocks noChangeAspect="1"/>
+          </p:cNvPicPr>
+          <p:nvPr/>
+        </p:nvPicPr>
+        <p:blipFill>
+          <a:blip r:embed="rId2"/>
+          <a:stretch>
+            <a:fillRect/>
+          </a:stretch>
+        </p:blipFill>
+        <p:spPr>
+          <a:xfrm>
+            <a:off x="407368" y="1844824"/>
+            <a:ext cx="6139204" cy="3493311"/>
+          </a:xfrm>
+          <a:prstGeom prst="rect">
+            <a:avLst/>
+          </a:prstGeom>
+        </p:spPr>
+      </p:pic>
     </p:spTree>
     <p:extLst>
       <p:ext uri="{BB962C8B-B14F-4D97-AF65-F5344CB8AC3E}">

--- a/Project 2.pptx
+++ b/Project 2.pptx
@@ -7958,7 +7958,7 @@
           <a:p>
             <a:r>
               <a:rPr lang="en-US" dirty="0"/>
-              <a:t>Interactive mining injury dashboard</a:t>
+              <a:t>Interactive mining INCIDENT dashboard</a:t>
             </a:r>
           </a:p>
         </p:txBody>
@@ -8638,7 +8638,7 @@
           <a:p>
             <a:r>
               <a:rPr lang="en-US" dirty="0"/>
-              <a:t>Visualization 1 – Mine details data tablet</a:t>
+              <a:t>Visualization 1 – Mine Details Data Tablet</a:t>
             </a:r>
           </a:p>
           <a:p>
@@ -9191,8 +9191,8 @@
         </p:blipFill>
         <p:spPr>
           <a:xfrm>
-            <a:off x="173866" y="4703337"/>
-            <a:ext cx="3406682" cy="1641885"/>
+            <a:off x="119335" y="4149080"/>
+            <a:ext cx="5229229" cy="2520280"/>
           </a:xfrm>
           <a:prstGeom prst="rect">
             <a:avLst/>
@@ -9221,7 +9221,7 @@
         </p:blipFill>
         <p:spPr>
           <a:xfrm>
-            <a:off x="2337119" y="2578255"/>
+            <a:off x="2351584" y="2060848"/>
             <a:ext cx="2997072" cy="2022895"/>
           </a:xfrm>
           <a:prstGeom prst="rect">

--- a/Project 2.pptx
+++ b/Project 2.pptx
@@ -5,22 +5,23 @@
     <p:sldMasterId id="2147483648" r:id="rId1"/>
   </p:sldMasterIdLst>
   <p:notesMasterIdLst>
-    <p:notesMasterId r:id="rId12"/>
+    <p:notesMasterId r:id="rId13"/>
   </p:notesMasterIdLst>
   <p:handoutMasterIdLst>
-    <p:handoutMasterId r:id="rId13"/>
+    <p:handoutMasterId r:id="rId14"/>
   </p:handoutMasterIdLst>
   <p:sldIdLst>
     <p:sldId id="256" r:id="rId2"/>
     <p:sldId id="257" r:id="rId3"/>
     <p:sldId id="258" r:id="rId4"/>
-    <p:sldId id="259" r:id="rId5"/>
-    <p:sldId id="263" r:id="rId6"/>
-    <p:sldId id="265" r:id="rId7"/>
-    <p:sldId id="266" r:id="rId8"/>
-    <p:sldId id="267" r:id="rId9"/>
-    <p:sldId id="268" r:id="rId10"/>
-    <p:sldId id="269" r:id="rId11"/>
+    <p:sldId id="270" r:id="rId5"/>
+    <p:sldId id="259" r:id="rId6"/>
+    <p:sldId id="263" r:id="rId7"/>
+    <p:sldId id="265" r:id="rId8"/>
+    <p:sldId id="266" r:id="rId9"/>
+    <p:sldId id="267" r:id="rId10"/>
+    <p:sldId id="268" r:id="rId11"/>
+    <p:sldId id="269" r:id="rId12"/>
   </p:sldIdLst>
   <p:sldSz cx="12192000" cy="6858000"/>
   <p:notesSz cx="6858000" cy="9144000"/>
@@ -4068,7 +4069,7 @@
           <a:p>
             <a:fld id="{043B725B-653D-4166-A8E9-72A38A1847CF}" type="datetimeFigureOut">
               <a:rPr lang="en-US"/>
-              <a:t>7/23/2022</a:t>
+              <a:t>7/25/2022</a:t>
             </a:fld>
             <a:endParaRPr/>
           </a:p>
@@ -4233,7 +4234,7 @@
           <a:p>
             <a:fld id="{783F64CD-0576-4A9A-BD06-7889D6E60BDC}" type="datetimeFigureOut">
               <a:rPr lang="en-US"/>
-              <a:t>7/23/2022</a:t>
+              <a:t>7/25/2022</a:t>
             </a:fld>
             <a:endParaRPr/>
           </a:p>
@@ -4831,7 +4832,7 @@
           <a:p>
             <a:fld id="{37CC0096-1860-4642-9CD2-0079EA5E7CD1}" type="datetimeFigureOut">
               <a:rPr lang="en-US"/>
-              <a:t>7/23/2022</a:t>
+              <a:t>7/25/2022</a:t>
             </a:fld>
             <a:endParaRPr/>
           </a:p>
@@ -5080,7 +5081,7 @@
           <a:p>
             <a:fld id="{37CC0096-1860-4642-9CD2-0079EA5E7CD1}" type="datetimeFigureOut">
               <a:rPr lang="en-US"/>
-              <a:t>7/23/2022</a:t>
+              <a:t>7/25/2022</a:t>
             </a:fld>
             <a:endParaRPr/>
           </a:p>
@@ -5266,7 +5267,7 @@
           <a:p>
             <a:fld id="{37CC0096-1860-4642-9CD2-0079EA5E7CD1}" type="datetimeFigureOut">
               <a:rPr lang="en-US"/>
-              <a:t>7/23/2022</a:t>
+              <a:t>7/25/2022</a:t>
             </a:fld>
             <a:endParaRPr/>
           </a:p>
@@ -5797,7 +5798,7 @@
           <a:p>
             <a:fld id="{37CC0096-1860-4642-9CD2-0079EA5E7CD1}" type="datetimeFigureOut">
               <a:rPr lang="en-US"/>
-              <a:t>7/23/2022</a:t>
+              <a:t>7/25/2022</a:t>
             </a:fld>
             <a:endParaRPr/>
           </a:p>
@@ -6249,7 +6250,7 @@
           <a:p>
             <a:fld id="{37CC0096-1860-4642-9CD2-0079EA5E7CD1}" type="datetimeFigureOut">
               <a:rPr lang="en-US"/>
-              <a:t>7/23/2022</a:t>
+              <a:t>7/25/2022</a:t>
             </a:fld>
             <a:endParaRPr/>
           </a:p>
@@ -6379,7 +6380,7 @@
           <a:p>
             <a:fld id="{37CC0096-1860-4642-9CD2-0079EA5E7CD1}" type="datetimeFigureOut">
               <a:rPr lang="en-US"/>
-              <a:t>7/23/2022</a:t>
+              <a:t>7/25/2022</a:t>
             </a:fld>
             <a:endParaRPr/>
           </a:p>
@@ -6486,7 +6487,7 @@
           <a:p>
             <a:fld id="{37CC0096-1860-4642-9CD2-0079EA5E7CD1}" type="datetimeFigureOut">
               <a:rPr lang="en-US"/>
-              <a:t>7/23/2022</a:t>
+              <a:t>7/25/2022</a:t>
             </a:fld>
             <a:endParaRPr/>
           </a:p>
@@ -7475,7 +7476,7 @@
             <a:fld id="{37CC0096-1860-4642-9CD2-0079EA5E7CD1}" type="datetimeFigureOut">
               <a:rPr lang="en-US" smtClean="0"/>
               <a:pPr/>
-              <a:t>7/23/2022</a:t>
+              <a:t>7/25/2022</a:t>
             </a:fld>
             <a:endParaRPr lang="en-US" dirty="0"/>
           </a:p>
@@ -8281,6 +8282,285 @@
       </p:grpSpPr>
       <p:sp>
         <p:nvSpPr>
+          <p:cNvPr id="6" name="Title 1">
+            <a:extLst>
+              <a:ext uri="{FF2B5EF4-FFF2-40B4-BE49-F238E27FC236}">
+                <a16:creationId xmlns:a16="http://schemas.microsoft.com/office/drawing/2014/main" id="{DF890073-03D6-EB5D-D810-0F1833BCFEA6}"/>
+              </a:ext>
+            </a:extLst>
+          </p:cNvPr>
+          <p:cNvSpPr>
+            <a:spLocks noGrp="1"/>
+          </p:cNvSpPr>
+          <p:nvPr>
+            <p:ph type="title"/>
+          </p:nvPr>
+        </p:nvSpPr>
+        <p:spPr>
+          <a:xfrm>
+            <a:off x="7635240" y="548680"/>
+            <a:ext cx="3932237" cy="5760640"/>
+          </a:xfrm>
+        </p:spPr>
+        <p:txBody>
+          <a:bodyPr anchor="t">
+            <a:normAutofit/>
+          </a:bodyPr>
+          <a:lstStyle/>
+          <a:p>
+            <a:r>
+              <a:rPr lang="en-US" dirty="0"/>
+              <a:t>Visualization 4 </a:t>
+            </a:r>
+            <a:br>
+              <a:rPr lang="en-US" dirty="0"/>
+            </a:br>
+            <a:r>
+              <a:rPr lang="en-US" sz="2000" dirty="0"/>
+              <a:t>Incidents Counts by Month</a:t>
+            </a:r>
+            <a:br>
+              <a:rPr lang="en-US" sz="2000" dirty="0"/>
+            </a:br>
+            <a:br>
+              <a:rPr lang="en-US" sz="2000" dirty="0"/>
+            </a:br>
+            <a:br>
+              <a:rPr lang="en-US" sz="2000" dirty="0"/>
+            </a:br>
+            <a:br>
+              <a:rPr lang="en-US" sz="2000" dirty="0"/>
+            </a:br>
+            <a:r>
+              <a:rPr lang="en-US" sz="2000" b="1" u="sng" dirty="0">
+                <a:latin typeface="Franklin Gothic Book" panose="020B0503020102020204" pitchFamily="34" charset="0"/>
+              </a:rPr>
+              <a:t>Data:</a:t>
+            </a:r>
+            <a:br>
+              <a:rPr lang="en-US" sz="2000" b="1" dirty="0">
+                <a:latin typeface="Franklin Gothic Book" panose="020B0503020102020204" pitchFamily="34" charset="0"/>
+              </a:rPr>
+            </a:br>
+            <a:r>
+              <a:rPr lang="en-US" sz="2000" dirty="0">
+                <a:latin typeface="Franklin Gothic Book" panose="020B0503020102020204" pitchFamily="34" charset="0"/>
+              </a:rPr>
+              <a:t>Using the </a:t>
+            </a:r>
+            <a:r>
+              <a:rPr lang="en-US" sz="2000" dirty="0" err="1">
+                <a:latin typeface="Franklin Gothic Book" panose="020B0503020102020204" pitchFamily="34" charset="0"/>
+              </a:rPr>
+              <a:t>mine_id</a:t>
+            </a:r>
+            <a:r>
+              <a:rPr lang="en-US" sz="2000" dirty="0">
+                <a:latin typeface="Franklin Gothic Book" panose="020B0503020102020204" pitchFamily="34" charset="0"/>
+              </a:rPr>
+              <a:t>, selected, it filters the </a:t>
+            </a:r>
+            <a:r>
+              <a:rPr lang="en-US" sz="2000" dirty="0" err="1">
+                <a:latin typeface="Franklin Gothic Book" panose="020B0503020102020204" pitchFamily="34" charset="0"/>
+              </a:rPr>
+              <a:t>incident_data</a:t>
+            </a:r>
+            <a:r>
+              <a:rPr lang="en-US" sz="2000" dirty="0">
+                <a:latin typeface="Franklin Gothic Book" panose="020B0503020102020204" pitchFamily="34" charset="0"/>
+              </a:rPr>
+              <a:t> table to present a summary of incidents which occurred each month. </a:t>
+            </a:r>
+            <a:br>
+              <a:rPr lang="en-US" sz="2000" dirty="0">
+                <a:latin typeface="Franklin Gothic Book" panose="020B0503020102020204" pitchFamily="34" charset="0"/>
+              </a:rPr>
+            </a:br>
+            <a:br>
+              <a:rPr lang="en-US" sz="2000" dirty="0">
+                <a:latin typeface="Franklin Gothic Book" panose="020B0503020102020204" pitchFamily="34" charset="0"/>
+              </a:rPr>
+            </a:br>
+            <a:br>
+              <a:rPr lang="en-US" sz="2000" dirty="0">
+                <a:latin typeface="Franklin Gothic Book" panose="020B0503020102020204" pitchFamily="34" charset="0"/>
+              </a:rPr>
+            </a:br>
+            <a:br>
+              <a:rPr lang="en-US" sz="2000" dirty="0">
+                <a:latin typeface="Franklin Gothic Book" panose="020B0503020102020204" pitchFamily="34" charset="0"/>
+              </a:rPr>
+            </a:br>
+            <a:r>
+              <a:rPr lang="en-US" sz="2000" b="1" u="sng" dirty="0">
+                <a:latin typeface="Franklin Gothic Book" panose="020B0503020102020204" pitchFamily="34" charset="0"/>
+              </a:rPr>
+              <a:t>Visualisation Source:</a:t>
+            </a:r>
+            <a:br>
+              <a:rPr lang="en-US" sz="2000" b="1" dirty="0">
+                <a:latin typeface="Franklin Gothic Book" panose="020B0503020102020204" pitchFamily="34" charset="0"/>
+              </a:rPr>
+            </a:br>
+            <a:r>
+              <a:rPr lang="en-US" sz="2000" dirty="0">
+                <a:latin typeface="Franklin Gothic Book" panose="020B0503020102020204" pitchFamily="34" charset="0"/>
+              </a:rPr>
+              <a:t>- </a:t>
+            </a:r>
+            <a:r>
+              <a:rPr lang="en-AU" sz="2000" dirty="0">
+                <a:latin typeface="Franklin Gothic Book" panose="020B0503020102020204" pitchFamily="34" charset="0"/>
+              </a:rPr>
+              <a:t>Generated</a:t>
+            </a:r>
+            <a:r>
+              <a:rPr lang="en-US" sz="2000" dirty="0">
+                <a:latin typeface="Franklin Gothic Book" panose="020B0503020102020204" pitchFamily="34" charset="0"/>
+              </a:rPr>
+              <a:t> using </a:t>
+            </a:r>
+            <a:r>
+              <a:rPr lang="en-US" sz="2000" dirty="0" err="1">
+                <a:latin typeface="Franklin Gothic Book" panose="020B0503020102020204" pitchFamily="34" charset="0"/>
+              </a:rPr>
+              <a:t>Frappe.Charts</a:t>
+            </a:r>
+            <a:br>
+              <a:rPr lang="en-US" sz="2000" dirty="0">
+                <a:latin typeface="Franklin Gothic Book" panose="020B0503020102020204" pitchFamily="34" charset="0"/>
+              </a:rPr>
+            </a:br>
+            <a:r>
+              <a:rPr lang="en-US" sz="1600" i="1" dirty="0">
+                <a:latin typeface="Franklin Gothic Book" panose="020B0503020102020204" pitchFamily="34" charset="0"/>
+              </a:rPr>
+              <a:t>(</a:t>
+            </a:r>
+            <a:r>
+              <a:rPr lang="en-US" sz="1600" i="1" dirty="0">
+                <a:latin typeface="Franklin Gothic Book" panose="020B0503020102020204" pitchFamily="34" charset="0"/>
+                <a:hlinkClick r:id="rId2"/>
+              </a:rPr>
+              <a:t>https://frappe.io/charts</a:t>
+            </a:r>
+            <a:r>
+              <a:rPr lang="en-US" sz="1600" i="1" dirty="0">
+                <a:latin typeface="Franklin Gothic Book" panose="020B0503020102020204" pitchFamily="34" charset="0"/>
+              </a:rPr>
+              <a:t>)</a:t>
+            </a:r>
+            <a:br>
+              <a:rPr lang="en-US" sz="1600" i="1" dirty="0">
+                <a:latin typeface="Franklin Gothic Book" panose="020B0503020102020204" pitchFamily="34" charset="0"/>
+              </a:rPr>
+            </a:br>
+            <a:br>
+              <a:rPr lang="en-US" sz="2000" dirty="0">
+                <a:latin typeface="Franklin Gothic Book" panose="020B0503020102020204" pitchFamily="34" charset="0"/>
+              </a:rPr>
+            </a:br>
+            <a:r>
+              <a:rPr lang="en-US" sz="2000" dirty="0">
+                <a:latin typeface="Franklin Gothic Book" panose="020B0503020102020204" pitchFamily="34" charset="0"/>
+              </a:rPr>
+              <a:t>- Uses the </a:t>
+            </a:r>
+            <a:r>
+              <a:rPr lang="en-US" sz="2000" dirty="0" err="1">
+                <a:latin typeface="Franklin Gothic Book" panose="020B0503020102020204" pitchFamily="34" charset="0"/>
+              </a:rPr>
+              <a:t>incident_details</a:t>
+            </a:r>
+            <a:r>
+              <a:rPr lang="en-US" sz="2000" dirty="0">
+                <a:latin typeface="Franklin Gothic Book" panose="020B0503020102020204" pitchFamily="34" charset="0"/>
+              </a:rPr>
+              <a:t> table</a:t>
+            </a:r>
+          </a:p>
+        </p:txBody>
+      </p:sp>
+      <p:pic>
+        <p:nvPicPr>
+          <p:cNvPr id="8" name="Picture 7">
+            <a:extLst>
+              <a:ext uri="{FF2B5EF4-FFF2-40B4-BE49-F238E27FC236}">
+                <a16:creationId xmlns:a16="http://schemas.microsoft.com/office/drawing/2014/main" id="{D6F715D4-CB0D-4C12-4346-AB42A7583CA1}"/>
+              </a:ext>
+            </a:extLst>
+          </p:cNvPr>
+          <p:cNvPicPr>
+            <a:picLocks noChangeAspect="1"/>
+          </p:cNvPicPr>
+          <p:nvPr/>
+        </p:nvPicPr>
+        <p:blipFill>
+          <a:blip r:embed="rId3"/>
+          <a:stretch>
+            <a:fillRect/>
+          </a:stretch>
+        </p:blipFill>
+        <p:spPr>
+          <a:xfrm>
+            <a:off x="983432" y="1628800"/>
+            <a:ext cx="5200650" cy="3695700"/>
+          </a:xfrm>
+          <a:prstGeom prst="rect">
+            <a:avLst/>
+          </a:prstGeom>
+          <a:ln>
+            <a:solidFill>
+              <a:schemeClr val="tx1"/>
+            </a:solidFill>
+          </a:ln>
+        </p:spPr>
+      </p:pic>
+    </p:spTree>
+    <p:extLst>
+      <p:ext uri="{BB962C8B-B14F-4D97-AF65-F5344CB8AC3E}">
+        <p14:creationId xmlns:p14="http://schemas.microsoft.com/office/powerpoint/2010/main" val="1054645190"/>
+      </p:ext>
+    </p:extLst>
+  </p:cSld>
+  <p:clrMapOvr>
+    <a:masterClrMapping/>
+  </p:clrMapOvr>
+  <mc:AlternateContent xmlns:mc="http://schemas.openxmlformats.org/markup-compatibility/2006" xmlns:p14="http://schemas.microsoft.com/office/powerpoint/2010/main">
+    <mc:Choice Requires="p14">
+      <p:transition spd="med" p14:dur="700">
+        <p:fade/>
+      </p:transition>
+    </mc:Choice>
+    <mc:Fallback xmlns="">
+      <p:transition spd="med">
+        <p:fade/>
+      </p:transition>
+    </mc:Fallback>
+  </mc:AlternateContent>
+</p:sld>
+</file>
+
+<file path=ppt/slides/slide11.xml><?xml version="1.0" encoding="utf-8"?>
+<p:sld xmlns:a="http://schemas.openxmlformats.org/drawingml/2006/main" xmlns:r="http://schemas.openxmlformats.org/officeDocument/2006/relationships" xmlns:p="http://schemas.openxmlformats.org/presentationml/2006/main">
+  <p:cSld>
+    <p:spTree>
+      <p:nvGrpSpPr>
+        <p:cNvPr id="1" name=""/>
+        <p:cNvGrpSpPr/>
+        <p:nvPr/>
+      </p:nvGrpSpPr>
+      <p:grpSpPr>
+        <a:xfrm>
+          <a:off x="0" y="0"/>
+          <a:ext cx="0" cy="0"/>
+          <a:chOff x="0" y="0"/>
+          <a:chExt cx="0" cy="0"/>
+        </a:xfrm>
+      </p:grpSpPr>
+      <p:sp>
+        <p:nvSpPr>
           <p:cNvPr id="5" name="Title 4">
             <a:extLst>
               <a:ext uri="{FF2B5EF4-FFF2-40B4-BE49-F238E27FC236}">
@@ -8850,8 +9130,8 @@
         </p:nvSpPr>
         <p:spPr>
           <a:xfrm>
-            <a:off x="1069616" y="2186779"/>
-            <a:ext cx="9144000" cy="4572001"/>
+            <a:off x="1271464" y="1988840"/>
+            <a:ext cx="7704856" cy="4320480"/>
           </a:xfrm>
         </p:spPr>
         <p:txBody>
@@ -8863,11 +9143,18 @@
             <a:pPr marL="0" indent="0">
               <a:buNone/>
             </a:pPr>
-            <a:endParaRPr lang="en-US" sz="1600" b="1" dirty="0">
-              <a:solidFill>
-                <a:srgbClr val="FF0000"/>
-              </a:solidFill>
-            </a:endParaRPr>
+            <a:r>
+              <a:rPr lang="en-US" sz="2000" dirty="0"/>
+              <a:t>The Safety Team requested a new database for storage and query (as required), of U.S. regulator (external) incident data from 2020. </a:t>
+            </a:r>
+            <a:r>
+              <a:rPr lang="en-US" sz="1400" i="1" dirty="0">
+                <a:solidFill>
+                  <a:schemeClr val="accent1"/>
+                </a:solidFill>
+              </a:rPr>
+              <a:t>(AKA our ETL Project…)</a:t>
+            </a:r>
           </a:p>
           <a:p>
             <a:pPr marL="0" indent="0">
@@ -8875,7 +9162,7 @@
             </a:pPr>
             <a:r>
               <a:rPr lang="en-US" sz="2000" dirty="0"/>
-              <a:t>A couple of weeks back the Safety Team have requested we prepare a new database for the storage and query (as required), of regulator (external) injury data from 2020. This database allowed the team to complete analysis of our company injuries with industry, the time has come to make this fantastic new database useful.</a:t>
+              <a:t>This database allowed the team to complete a review. </a:t>
             </a:r>
           </a:p>
           <a:p>
@@ -8884,28 +9171,66 @@
             </a:pPr>
             <a:r>
               <a:rPr lang="en-US" sz="2000" dirty="0"/>
-              <a:t>So, following the Safety Team's exemplary feedback relating the ETL Project, they have now asked for detailed interactive Dashboard to view the top 20 mining companies' injury data.</a:t>
+              <a:t>The Executive Team would now like to </a:t>
+            </a:r>
+            <a:r>
+              <a:rPr lang="en-AU" sz="2000" dirty="0">
+                <a:solidFill>
+                  <a:schemeClr val="accent1"/>
+                </a:solidFill>
+              </a:rPr>
+              <a:t>visualise</a:t>
+            </a:r>
+            <a:r>
+              <a:rPr lang="en-US" sz="2000" dirty="0"/>
+              <a:t> the key incident data for the </a:t>
+            </a:r>
+            <a:r>
+              <a:rPr lang="en-US" sz="2000" u="sng" dirty="0"/>
+              <a:t>20 mining companies that had the </a:t>
+            </a:r>
+            <a:r>
+              <a:rPr lang="en-US" sz="2000" u="sng" dirty="0">
+                <a:solidFill>
+                  <a:schemeClr val="accent1"/>
+                </a:solidFill>
+              </a:rPr>
+              <a:t>highest number of incidents</a:t>
+            </a:r>
+            <a:r>
+              <a:rPr lang="en-US" sz="2000" dirty="0"/>
+              <a:t>. </a:t>
             </a:r>
           </a:p>
           <a:p>
             <a:pPr marL="0" indent="0">
               <a:buNone/>
             </a:pPr>
-            <a:endParaRPr lang="en-US" sz="1600" b="1" dirty="0">
-              <a:solidFill>
-                <a:srgbClr val="FF0000"/>
-              </a:solidFill>
-            </a:endParaRPr>
+            <a:r>
+              <a:rPr lang="en-US" sz="2000" dirty="0"/>
+              <a:t>Knowing that the same data is released each year, the Safety Team has  asked for </a:t>
+            </a:r>
+            <a:r>
+              <a:rPr lang="en-US" sz="2000" u="sng" dirty="0">
+                <a:solidFill>
+                  <a:schemeClr val="accent1"/>
+                </a:solidFill>
+              </a:rPr>
+              <a:t>our specific set of skills </a:t>
+            </a:r>
+            <a:r>
+              <a:rPr lang="en-US" sz="2000" dirty="0"/>
+              <a:t>once again…</a:t>
+            </a:r>
           </a:p>
           <a:p>
             <a:pPr marL="0" indent="0">
               <a:buNone/>
             </a:pPr>
-            <a:endParaRPr lang="en-AU" sz="1600" dirty="0">
-              <a:solidFill>
-                <a:srgbClr val="FF0000"/>
-              </a:solidFill>
-            </a:endParaRPr>
+            <a:r>
+              <a:rPr lang="en-US" sz="2000" dirty="0"/>
+              <a:t>The objective… Build a dashboard that can be used (then refreshed each year), just by updating the source data in a folder location.</a:t>
+            </a:r>
           </a:p>
         </p:txBody>
       </p:sp>
@@ -9003,6 +9328,286 @@
           </a:extLst>
         </p:spPr>
       </p:pic>
+      <p:sp>
+        <p:nvSpPr>
+          <p:cNvPr id="6" name="Content Placeholder 3">
+            <a:extLst>
+              <a:ext uri="{FF2B5EF4-FFF2-40B4-BE49-F238E27FC236}">
+                <a16:creationId xmlns:a16="http://schemas.microsoft.com/office/drawing/2014/main" id="{0CA4D1DA-5F37-67A3-C4AE-2BF24BCF19E7}"/>
+              </a:ext>
+            </a:extLst>
+          </p:cNvPr>
+          <p:cNvSpPr txBox="1">
+            <a:spLocks/>
+          </p:cNvSpPr>
+          <p:nvPr/>
+        </p:nvSpPr>
+        <p:spPr>
+          <a:xfrm>
+            <a:off x="263352" y="1988840"/>
+            <a:ext cx="1152128" cy="4320480"/>
+          </a:xfrm>
+          <a:prstGeom prst="rect">
+            <a:avLst/>
+          </a:prstGeom>
+        </p:spPr>
+        <p:txBody>
+          <a:bodyPr vert="horz" lIns="91440" tIns="45720" rIns="91440" bIns="45720" rtlCol="0">
+            <a:normAutofit/>
+          </a:bodyPr>
+          <a:lstStyle>
+            <a:lvl1pPr marL="228600" indent="-228600" algn="l" defTabSz="914400" rtl="0" eaLnBrk="1" latinLnBrk="0" hangingPunct="1">
+              <a:lnSpc>
+                <a:spcPct val="90000"/>
+              </a:lnSpc>
+              <a:spcBef>
+                <a:spcPts val="1800"/>
+              </a:spcBef>
+              <a:buSzPct val="100000"/>
+              <a:buFont typeface="Arial" pitchFamily="34" charset="0"/>
+              <a:buChar char="▪"/>
+              <a:defRPr sz="2400" kern="1200">
+                <a:solidFill>
+                  <a:schemeClr val="tx1">
+                    <a:lumMod val="75000"/>
+                    <a:lumOff val="25000"/>
+                  </a:schemeClr>
+                </a:solidFill>
+                <a:latin typeface="+mn-lt"/>
+                <a:ea typeface="+mn-ea"/>
+                <a:cs typeface="+mn-cs"/>
+              </a:defRPr>
+            </a:lvl1pPr>
+            <a:lvl2pPr marL="457200" indent="-228600" algn="l" defTabSz="914400" rtl="0" eaLnBrk="1" latinLnBrk="0" hangingPunct="1">
+              <a:lnSpc>
+                <a:spcPct val="90000"/>
+              </a:lnSpc>
+              <a:spcBef>
+                <a:spcPts val="600"/>
+              </a:spcBef>
+              <a:buSzPct val="100000"/>
+              <a:buFont typeface="Arial" pitchFamily="34" charset="0"/>
+              <a:buChar char="▪"/>
+              <a:defRPr sz="2200" kern="1200">
+                <a:solidFill>
+                  <a:schemeClr val="tx1">
+                    <a:lumMod val="75000"/>
+                    <a:lumOff val="25000"/>
+                  </a:schemeClr>
+                </a:solidFill>
+                <a:latin typeface="+mn-lt"/>
+                <a:ea typeface="+mn-ea"/>
+                <a:cs typeface="+mn-cs"/>
+              </a:defRPr>
+            </a:lvl2pPr>
+            <a:lvl3pPr marL="685800" indent="-182880" algn="l" defTabSz="914400" rtl="0" eaLnBrk="1" latinLnBrk="0" hangingPunct="1">
+              <a:lnSpc>
+                <a:spcPct val="90000"/>
+              </a:lnSpc>
+              <a:spcBef>
+                <a:spcPts val="600"/>
+              </a:spcBef>
+              <a:buSzPct val="100000"/>
+              <a:buFont typeface="Arial" pitchFamily="34" charset="0"/>
+              <a:buChar char="▪"/>
+              <a:defRPr sz="2000" kern="1200">
+                <a:solidFill>
+                  <a:schemeClr val="tx1">
+                    <a:lumMod val="75000"/>
+                    <a:lumOff val="25000"/>
+                  </a:schemeClr>
+                </a:solidFill>
+                <a:latin typeface="+mn-lt"/>
+                <a:ea typeface="+mn-ea"/>
+                <a:cs typeface="+mn-cs"/>
+              </a:defRPr>
+            </a:lvl3pPr>
+            <a:lvl4pPr marL="868680" indent="-182563" algn="l" defTabSz="914400" rtl="0" eaLnBrk="1" latinLnBrk="0" hangingPunct="1">
+              <a:lnSpc>
+                <a:spcPct val="90000"/>
+              </a:lnSpc>
+              <a:spcBef>
+                <a:spcPts val="600"/>
+              </a:spcBef>
+              <a:buSzPct val="100000"/>
+              <a:buFont typeface="Arial" pitchFamily="34" charset="0"/>
+              <a:buChar char="▪"/>
+              <a:defRPr sz="1800" kern="1200">
+                <a:solidFill>
+                  <a:schemeClr val="tx1">
+                    <a:lumMod val="75000"/>
+                    <a:lumOff val="25000"/>
+                  </a:schemeClr>
+                </a:solidFill>
+                <a:latin typeface="+mn-lt"/>
+                <a:ea typeface="+mn-ea"/>
+                <a:cs typeface="+mn-cs"/>
+              </a:defRPr>
+            </a:lvl4pPr>
+            <a:lvl5pPr marL="1051560" indent="-182880" algn="l" defTabSz="914400" rtl="0" eaLnBrk="1" latinLnBrk="0" hangingPunct="1">
+              <a:lnSpc>
+                <a:spcPct val="90000"/>
+              </a:lnSpc>
+              <a:spcBef>
+                <a:spcPts val="600"/>
+              </a:spcBef>
+              <a:buSzPct val="100000"/>
+              <a:buFont typeface="Arial" pitchFamily="34" charset="0"/>
+              <a:buChar char="▪"/>
+              <a:defRPr sz="1600" kern="1200">
+                <a:solidFill>
+                  <a:schemeClr val="tx1">
+                    <a:lumMod val="75000"/>
+                    <a:lumOff val="25000"/>
+                  </a:schemeClr>
+                </a:solidFill>
+                <a:latin typeface="+mn-lt"/>
+                <a:ea typeface="+mn-ea"/>
+                <a:cs typeface="+mn-cs"/>
+              </a:defRPr>
+            </a:lvl5pPr>
+            <a:lvl6pPr marL="1234440" indent="-182880" algn="l" defTabSz="914400" rtl="0" eaLnBrk="1" latinLnBrk="0" hangingPunct="1">
+              <a:lnSpc>
+                <a:spcPct val="90000"/>
+              </a:lnSpc>
+              <a:spcBef>
+                <a:spcPts val="400"/>
+              </a:spcBef>
+              <a:buSzPct val="100000"/>
+              <a:buFont typeface="Arial" pitchFamily="34" charset="0"/>
+              <a:buChar char="▪"/>
+              <a:defRPr sz="1600" kern="1200">
+                <a:solidFill>
+                  <a:schemeClr val="tx1">
+                    <a:lumMod val="75000"/>
+                    <a:lumOff val="25000"/>
+                  </a:schemeClr>
+                </a:solidFill>
+                <a:latin typeface="+mn-lt"/>
+                <a:ea typeface="+mn-ea"/>
+                <a:cs typeface="+mn-cs"/>
+              </a:defRPr>
+            </a:lvl6pPr>
+            <a:lvl7pPr marL="1417320" indent="-182880" algn="l" defTabSz="914400" rtl="0" eaLnBrk="1" latinLnBrk="0" hangingPunct="1">
+              <a:lnSpc>
+                <a:spcPct val="90000"/>
+              </a:lnSpc>
+              <a:spcBef>
+                <a:spcPts val="400"/>
+              </a:spcBef>
+              <a:buSzPct val="100000"/>
+              <a:buFont typeface="Arial" pitchFamily="34" charset="0"/>
+              <a:buChar char="▪"/>
+              <a:defRPr sz="1600" kern="1200">
+                <a:solidFill>
+                  <a:schemeClr val="tx1">
+                    <a:lumMod val="75000"/>
+                    <a:lumOff val="25000"/>
+                  </a:schemeClr>
+                </a:solidFill>
+                <a:latin typeface="+mn-lt"/>
+                <a:ea typeface="+mn-ea"/>
+                <a:cs typeface="+mn-cs"/>
+              </a:defRPr>
+            </a:lvl7pPr>
+            <a:lvl8pPr marL="1600200" indent="-182880" algn="l" defTabSz="914400" rtl="0" eaLnBrk="1" latinLnBrk="0" hangingPunct="1">
+              <a:lnSpc>
+                <a:spcPct val="90000"/>
+              </a:lnSpc>
+              <a:spcBef>
+                <a:spcPts val="400"/>
+              </a:spcBef>
+              <a:buSzPct val="100000"/>
+              <a:buFont typeface="Arial" pitchFamily="34" charset="0"/>
+              <a:buChar char="▪"/>
+              <a:defRPr sz="1600" kern="1200">
+                <a:solidFill>
+                  <a:schemeClr val="tx1">
+                    <a:lumMod val="75000"/>
+                    <a:lumOff val="25000"/>
+                  </a:schemeClr>
+                </a:solidFill>
+                <a:latin typeface="+mn-lt"/>
+                <a:ea typeface="+mn-ea"/>
+                <a:cs typeface="+mn-cs"/>
+              </a:defRPr>
+            </a:lvl8pPr>
+            <a:lvl9pPr marL="1783080" indent="-182880" algn="l" defTabSz="914400" rtl="0" eaLnBrk="1" latinLnBrk="0" hangingPunct="1">
+              <a:lnSpc>
+                <a:spcPct val="90000"/>
+              </a:lnSpc>
+              <a:spcBef>
+                <a:spcPts val="400"/>
+              </a:spcBef>
+              <a:buSzPct val="100000"/>
+              <a:buFont typeface="Arial" pitchFamily="34" charset="0"/>
+              <a:buChar char="▪"/>
+              <a:defRPr sz="1600" kern="1200">
+                <a:solidFill>
+                  <a:schemeClr val="tx1">
+                    <a:lumMod val="75000"/>
+                    <a:lumOff val="25000"/>
+                  </a:schemeClr>
+                </a:solidFill>
+                <a:latin typeface="+mn-lt"/>
+                <a:ea typeface="+mn-ea"/>
+                <a:cs typeface="+mn-cs"/>
+              </a:defRPr>
+            </a:lvl9pPr>
+          </a:lstStyle>
+          <a:p>
+            <a:pPr marL="0" indent="0">
+              <a:buFont typeface="Arial" pitchFamily="34" charset="0"/>
+              <a:buNone/>
+            </a:pPr>
+            <a:r>
+              <a:rPr lang="en-US" sz="1900" dirty="0"/>
+              <a:t>Then…</a:t>
+            </a:r>
+          </a:p>
+          <a:p>
+            <a:pPr marL="0" indent="0">
+              <a:buFont typeface="Arial" pitchFamily="34" charset="0"/>
+              <a:buNone/>
+            </a:pPr>
+            <a:endParaRPr lang="en-US" sz="1900" dirty="0">
+              <a:solidFill>
+                <a:srgbClr val="FF0000"/>
+              </a:solidFill>
+            </a:endParaRPr>
+          </a:p>
+          <a:p>
+            <a:pPr marL="0" indent="0">
+              <a:buFont typeface="Arial" pitchFamily="34" charset="0"/>
+              <a:buNone/>
+            </a:pPr>
+            <a:endParaRPr lang="en-US" sz="1900" dirty="0">
+              <a:solidFill>
+                <a:srgbClr val="FF0000"/>
+              </a:solidFill>
+            </a:endParaRPr>
+          </a:p>
+          <a:p>
+            <a:pPr marL="0" indent="0">
+              <a:buFont typeface="Arial" pitchFamily="34" charset="0"/>
+              <a:buNone/>
+            </a:pPr>
+            <a:r>
+              <a:rPr lang="en-US" sz="1900" dirty="0">
+                <a:solidFill>
+                  <a:schemeClr val="accent1"/>
+                </a:solidFill>
+              </a:rPr>
+              <a:t>Now…</a:t>
+            </a:r>
+            <a:endParaRPr lang="en-AU" sz="1900" dirty="0">
+              <a:solidFill>
+                <a:schemeClr val="accent1"/>
+              </a:solidFill>
+            </a:endParaRPr>
+          </a:p>
+        </p:txBody>
+      </p:sp>
     </p:spTree>
     <p:extLst>
       <p:ext uri="{BB962C8B-B14F-4D97-AF65-F5344CB8AC3E}">
@@ -9029,6 +9634,294 @@
 </file>
 
 <file path=ppt/slides/slide4.xml><?xml version="1.0" encoding="utf-8"?>
+<p:sld xmlns:a="http://schemas.openxmlformats.org/drawingml/2006/main" xmlns:r="http://schemas.openxmlformats.org/officeDocument/2006/relationships" xmlns:p="http://schemas.openxmlformats.org/presentationml/2006/main">
+  <p:cSld>
+    <p:spTree>
+      <p:nvGrpSpPr>
+        <p:cNvPr id="1" name=""/>
+        <p:cNvGrpSpPr/>
+        <p:nvPr/>
+      </p:nvGrpSpPr>
+      <p:grpSpPr>
+        <a:xfrm>
+          <a:off x="0" y="0"/>
+          <a:ext cx="0" cy="0"/>
+          <a:chOff x="0" y="0"/>
+          <a:chExt cx="0" cy="0"/>
+        </a:xfrm>
+      </p:grpSpPr>
+      <p:sp>
+        <p:nvSpPr>
+          <p:cNvPr id="2" name="Title 1"/>
+          <p:cNvSpPr>
+            <a:spLocks noGrp="1"/>
+          </p:cNvSpPr>
+          <p:nvPr>
+            <p:ph type="title"/>
+          </p:nvPr>
+        </p:nvSpPr>
+        <p:spPr/>
+        <p:txBody>
+          <a:bodyPr/>
+          <a:lstStyle/>
+          <a:p>
+            <a:r>
+              <a:rPr lang="en-US" dirty="0"/>
+              <a:t>ETL Process</a:t>
+            </a:r>
+          </a:p>
+        </p:txBody>
+      </p:sp>
+      <p:pic>
+        <p:nvPicPr>
+          <p:cNvPr id="5" name="Picture 4">
+            <a:extLst>
+              <a:ext uri="{FF2B5EF4-FFF2-40B4-BE49-F238E27FC236}">
+                <a16:creationId xmlns:a16="http://schemas.microsoft.com/office/drawing/2014/main" id="{8307CA50-83C4-A39E-2ADD-160474CB275E}"/>
+              </a:ext>
+            </a:extLst>
+          </p:cNvPr>
+          <p:cNvPicPr>
+            <a:picLocks noChangeAspect="1" noChangeArrowheads="1"/>
+          </p:cNvPicPr>
+          <p:nvPr/>
+        </p:nvPicPr>
+        <p:blipFill>
+          <a:blip r:embed="rId2" cstate="print">
+            <a:extLst>
+              <a:ext uri="{28A0092B-C50C-407E-A947-70E740481C1C}">
+                <a14:useLocalDpi xmlns:a14="http://schemas.microsoft.com/office/drawing/2010/main" val="0"/>
+              </a:ext>
+            </a:extLst>
+          </a:blip>
+          <a:srcRect/>
+          <a:stretch>
+            <a:fillRect/>
+          </a:stretch>
+        </p:blipFill>
+        <p:spPr bwMode="auto">
+          <a:xfrm>
+            <a:off x="3719736" y="332656"/>
+            <a:ext cx="1111584" cy="741056"/>
+          </a:xfrm>
+          <a:prstGeom prst="rect">
+            <a:avLst/>
+          </a:prstGeom>
+          <a:noFill/>
+          <a:extLst>
+            <a:ext uri="{909E8E84-426E-40DD-AFC4-6F175D3DCCD1}">
+              <a14:hiddenFill xmlns:a14="http://schemas.microsoft.com/office/drawing/2010/main">
+                <a:solidFill>
+                  <a:srgbClr val="FFFFFF"/>
+                </a:solidFill>
+              </a14:hiddenFill>
+            </a:ext>
+          </a:extLst>
+        </p:spPr>
+      </p:pic>
+      <p:sp>
+        <p:nvSpPr>
+          <p:cNvPr id="10" name="Content Placeholder 3">
+            <a:extLst>
+              <a:ext uri="{FF2B5EF4-FFF2-40B4-BE49-F238E27FC236}">
+                <a16:creationId xmlns:a16="http://schemas.microsoft.com/office/drawing/2014/main" id="{C129B765-5C75-A566-FF6A-6FAA2A77C361}"/>
+              </a:ext>
+            </a:extLst>
+          </p:cNvPr>
+          <p:cNvSpPr>
+            <a:spLocks noGrp="1"/>
+          </p:cNvSpPr>
+          <p:nvPr>
+            <p:ph idx="1"/>
+          </p:nvPr>
+        </p:nvSpPr>
+        <p:spPr>
+          <a:xfrm>
+            <a:off x="335360" y="1988840"/>
+            <a:ext cx="10225136" cy="4320480"/>
+          </a:xfrm>
+        </p:spPr>
+        <p:txBody>
+          <a:bodyPr>
+            <a:normAutofit/>
+          </a:bodyPr>
+          <a:lstStyle/>
+          <a:p>
+            <a:pPr marL="0" indent="0">
+              <a:buNone/>
+            </a:pPr>
+            <a:r>
+              <a:rPr lang="en-US" sz="2000" dirty="0"/>
+              <a:t>As mentioned, we completed part one of this project as part of the previous ETL Project:</a:t>
+            </a:r>
+          </a:p>
+          <a:p>
+            <a:pPr marL="0" indent="0">
+              <a:buNone/>
+            </a:pPr>
+            <a:r>
+              <a:rPr lang="en-US" sz="2000" dirty="0"/>
+              <a:t>Data Summary:</a:t>
+            </a:r>
+          </a:p>
+          <a:p>
+            <a:r>
+              <a:rPr lang="en-US" sz="1600" dirty="0"/>
+              <a:t>5,332 incidents across 2020 </a:t>
+            </a:r>
+            <a:r>
+              <a:rPr lang="en-US" sz="1200" i="1" dirty="0"/>
+              <a:t>(Contains Incident, Injury and Company Data), </a:t>
+            </a:r>
+          </a:p>
+          <a:p>
+            <a:r>
+              <a:rPr lang="en-US" sz="1600" dirty="0"/>
+              <a:t>Fairly Basic Data Collection </a:t>
+            </a:r>
+            <a:r>
+              <a:rPr lang="en-US" sz="1200" i="1" dirty="0"/>
+              <a:t>(many options – minimal free text)</a:t>
+            </a:r>
+          </a:p>
+          <a:p>
+            <a:endParaRPr lang="en-US" sz="1200" i="1" dirty="0"/>
+          </a:p>
+          <a:p>
+            <a:pPr marL="0" indent="0">
+              <a:buNone/>
+            </a:pPr>
+            <a:r>
+              <a:rPr lang="en-US" sz="2000" dirty="0"/>
+              <a:t>ETL Steps Required: </a:t>
+            </a:r>
+          </a:p>
+          <a:p>
+            <a:r>
+              <a:rPr lang="en-US" sz="1600" dirty="0"/>
+              <a:t>Dropped many columns </a:t>
+            </a:r>
+            <a:r>
+              <a:rPr lang="en-US" sz="1200" i="1" dirty="0"/>
+              <a:t>(irrelevant, dirty or useless data)</a:t>
+            </a:r>
+          </a:p>
+          <a:p>
+            <a:r>
+              <a:rPr lang="en-US" sz="1600" dirty="0"/>
+              <a:t>No single event ID, only ID was </a:t>
+            </a:r>
+            <a:r>
+              <a:rPr lang="en-US" sz="1600" dirty="0" err="1"/>
+              <a:t>mine_id</a:t>
+            </a:r>
+            <a:r>
+              <a:rPr lang="en-US" sz="1600" dirty="0"/>
+              <a:t> </a:t>
+            </a:r>
+            <a:r>
+              <a:rPr lang="en-US" sz="1200" i="1" dirty="0"/>
+              <a:t>(unable to link incidents once separated into tables)</a:t>
+            </a:r>
+          </a:p>
+          <a:p>
+            <a:r>
+              <a:rPr lang="en-US" sz="1600" dirty="0"/>
+              <a:t>We had to do more data transformation </a:t>
+            </a:r>
+            <a:r>
+              <a:rPr lang="en-US" sz="1200" i="1" dirty="0"/>
+              <a:t>(injury nature/body part as well as filter to only top 20 mines)</a:t>
+            </a:r>
+          </a:p>
+          <a:p>
+            <a:endParaRPr lang="en-US" sz="1600" dirty="0"/>
+          </a:p>
+          <a:p>
+            <a:pPr marL="0" indent="0">
+              <a:buNone/>
+            </a:pPr>
+            <a:endParaRPr lang="en-US" sz="1400" i="1" dirty="0">
+              <a:solidFill>
+                <a:schemeClr val="accent1"/>
+              </a:solidFill>
+            </a:endParaRPr>
+          </a:p>
+        </p:txBody>
+      </p:sp>
+      <p:pic>
+        <p:nvPicPr>
+          <p:cNvPr id="6" name="Picture 4">
+            <a:extLst>
+              <a:ext uri="{FF2B5EF4-FFF2-40B4-BE49-F238E27FC236}">
+                <a16:creationId xmlns:a16="http://schemas.microsoft.com/office/drawing/2014/main" id="{F6590340-FDCF-2196-4C6B-1AAC1E2622DE}"/>
+              </a:ext>
+            </a:extLst>
+          </p:cNvPr>
+          <p:cNvPicPr>
+            <a:picLocks noChangeAspect="1" noChangeArrowheads="1"/>
+          </p:cNvPicPr>
+          <p:nvPr/>
+        </p:nvPicPr>
+        <p:blipFill>
+          <a:blip r:embed="rId2" cstate="print">
+            <a:extLst>
+              <a:ext uri="{28A0092B-C50C-407E-A947-70E740481C1C}">
+                <a14:useLocalDpi xmlns:a14="http://schemas.microsoft.com/office/drawing/2010/main" val="0"/>
+              </a:ext>
+            </a:extLst>
+          </a:blip>
+          <a:srcRect/>
+          <a:stretch>
+            <a:fillRect/>
+          </a:stretch>
+        </p:blipFill>
+        <p:spPr bwMode="auto">
+          <a:xfrm>
+            <a:off x="7176120" y="2420888"/>
+            <a:ext cx="4320480" cy="2880320"/>
+          </a:xfrm>
+          <a:prstGeom prst="rect">
+            <a:avLst/>
+          </a:prstGeom>
+          <a:noFill/>
+          <a:extLst>
+            <a:ext uri="{909E8E84-426E-40DD-AFC4-6F175D3DCCD1}">
+              <a14:hiddenFill xmlns:a14="http://schemas.microsoft.com/office/drawing/2010/main">
+                <a:solidFill>
+                  <a:srgbClr val="FFFFFF"/>
+                </a:solidFill>
+              </a14:hiddenFill>
+            </a:ext>
+          </a:extLst>
+        </p:spPr>
+      </p:pic>
+    </p:spTree>
+    <p:extLst>
+      <p:ext uri="{BB962C8B-B14F-4D97-AF65-F5344CB8AC3E}">
+        <p14:creationId xmlns:p14="http://schemas.microsoft.com/office/powerpoint/2010/main" val="710871693"/>
+      </p:ext>
+    </p:extLst>
+  </p:cSld>
+  <p:clrMapOvr>
+    <a:masterClrMapping/>
+  </p:clrMapOvr>
+  <mc:AlternateContent xmlns:mc="http://schemas.openxmlformats.org/markup-compatibility/2006" xmlns:p14="http://schemas.microsoft.com/office/powerpoint/2010/main">
+    <mc:Choice Requires="p14">
+      <p:transition spd="med" p14:dur="700">
+        <p:fade/>
+      </p:transition>
+    </mc:Choice>
+    <mc:Fallback xmlns="">
+      <p:transition spd="med">
+        <p:fade/>
+      </p:transition>
+    </mc:Fallback>
+  </mc:AlternateContent>
+</p:sld>
+</file>
+
+<file path=ppt/slides/slide5.xml><?xml version="1.0" encoding="utf-8"?>
 <p:sld xmlns:a="http://schemas.openxmlformats.org/drawingml/2006/main" xmlns:r="http://schemas.openxmlformats.org/officeDocument/2006/relationships" xmlns:p="http://schemas.openxmlformats.org/presentationml/2006/main">
   <p:cSld>
     <p:spTree>
@@ -9254,7 +10147,7 @@
 </p:sld>
 </file>
 
-<file path=ppt/slides/slide5.xml><?xml version="1.0" encoding="utf-8"?>
+<file path=ppt/slides/slide6.xml><?xml version="1.0" encoding="utf-8"?>
 <p:sld xmlns:a="http://schemas.openxmlformats.org/drawingml/2006/main" xmlns:r="http://schemas.openxmlformats.org/officeDocument/2006/relationships" xmlns:p="http://schemas.openxmlformats.org/presentationml/2006/main">
   <p:cSld>
     <p:spTree>
@@ -9340,215 +10233,356 @@
           </a:extLst>
         </p:spPr>
       </p:pic>
-    </p:spTree>
-    <p:extLst>
-      <p:ext uri="{BB962C8B-B14F-4D97-AF65-F5344CB8AC3E}">
-        <p14:creationId xmlns:p14="http://schemas.microsoft.com/office/powerpoint/2010/main" val="547100618"/>
-      </p:ext>
-    </p:extLst>
-  </p:cSld>
-  <p:clrMapOvr>
-    <a:masterClrMapping/>
-  </p:clrMapOvr>
-  <mc:AlternateContent xmlns:mc="http://schemas.openxmlformats.org/markup-compatibility/2006" xmlns:p14="http://schemas.microsoft.com/office/powerpoint/2010/main">
-    <mc:Choice Requires="p14">
-      <p:transition spd="med" p14:dur="700">
-        <p:fade/>
-      </p:transition>
-    </mc:Choice>
-    <mc:Fallback xmlns="">
-      <p:transition spd="med">
-        <p:fade/>
-      </p:transition>
-    </mc:Fallback>
-  </mc:AlternateContent>
-</p:sld>
-</file>
-
-<file path=ppt/slides/slide6.xml><?xml version="1.0" encoding="utf-8"?>
-<p:sld xmlns:a="http://schemas.openxmlformats.org/drawingml/2006/main" xmlns:r="http://schemas.openxmlformats.org/officeDocument/2006/relationships" xmlns:p="http://schemas.openxmlformats.org/presentationml/2006/main">
-  <p:cSld>
-    <p:spTree>
-      <p:nvGrpSpPr>
-        <p:cNvPr id="1" name=""/>
-        <p:cNvGrpSpPr/>
-        <p:nvPr/>
-      </p:nvGrpSpPr>
-      <p:grpSpPr>
-        <a:xfrm>
-          <a:off x="0" y="0"/>
-          <a:ext cx="0" cy="0"/>
-          <a:chOff x="0" y="0"/>
-          <a:chExt cx="0" cy="0"/>
-        </a:xfrm>
-      </p:grpSpPr>
       <p:pic>
         <p:nvPicPr>
-          <p:cNvPr id="5" name="Content Placeholder 4">
+          <p:cNvPr id="5" name="Picture 4">
             <a:extLst>
               <a:ext uri="{FF2B5EF4-FFF2-40B4-BE49-F238E27FC236}">
-                <a16:creationId xmlns:a16="http://schemas.microsoft.com/office/drawing/2014/main" id="{8C7B0D25-5D16-5CEC-93EE-9C565BBB6126}"/>
+                <a16:creationId xmlns:a16="http://schemas.microsoft.com/office/drawing/2014/main" id="{20542704-65E9-9D12-B848-A2BC5EC8BB38}"/>
               </a:ext>
             </a:extLst>
           </p:cNvPr>
           <p:cNvPicPr>
-            <a:picLocks noGrp="1" noChangeAspect="1"/>
+            <a:picLocks noChangeAspect="1"/>
           </p:cNvPicPr>
-          <p:nvPr>
-            <p:ph idx="1"/>
-          </p:nvPr>
+          <p:nvPr/>
         </p:nvPicPr>
         <p:blipFill>
-          <a:blip r:embed="rId2"/>
+          <a:blip r:embed="rId3"/>
           <a:stretch>
             <a:fillRect/>
           </a:stretch>
         </p:blipFill>
         <p:spPr>
           <a:xfrm>
-            <a:off x="479376" y="1348470"/>
-            <a:ext cx="6020694" cy="4161060"/>
+            <a:off x="479376" y="1772816"/>
+            <a:ext cx="4800833" cy="4725144"/>
           </a:xfrm>
+          <a:prstGeom prst="rect">
+            <a:avLst/>
+          </a:prstGeom>
+          <a:ln>
+            <a:solidFill>
+              <a:schemeClr val="tx1"/>
+            </a:solidFill>
+          </a:ln>
         </p:spPr>
       </p:pic>
       <p:sp>
         <p:nvSpPr>
-          <p:cNvPr id="6" name="Title 1">
+          <p:cNvPr id="8" name="Content Placeholder 3">
             <a:extLst>
               <a:ext uri="{FF2B5EF4-FFF2-40B4-BE49-F238E27FC236}">
-                <a16:creationId xmlns:a16="http://schemas.microsoft.com/office/drawing/2014/main" id="{AA9EC58A-394E-3676-634A-6DBE2A440446}"/>
+                <a16:creationId xmlns:a16="http://schemas.microsoft.com/office/drawing/2014/main" id="{D160CE93-5CE4-5525-3C26-DD92B3F31396}"/>
               </a:ext>
             </a:extLst>
           </p:cNvPr>
-          <p:cNvSpPr>
-            <a:spLocks noGrp="1"/>
+          <p:cNvSpPr txBox="1">
+            <a:spLocks/>
           </p:cNvSpPr>
-          <p:nvPr>
-            <p:ph type="title"/>
-          </p:nvPr>
+          <p:nvPr/>
         </p:nvSpPr>
         <p:spPr>
           <a:xfrm>
-            <a:off x="7635240" y="548680"/>
-            <a:ext cx="3932237" cy="5760640"/>
+            <a:off x="5591944" y="1916832"/>
+            <a:ext cx="6264696" cy="4320480"/>
           </a:xfrm>
+          <a:prstGeom prst="rect">
+            <a:avLst/>
+          </a:prstGeom>
         </p:spPr>
         <p:txBody>
-          <a:bodyPr anchor="t">
+          <a:bodyPr>
             <a:normAutofit/>
           </a:bodyPr>
-          <a:lstStyle/>
-          <a:p>
-            <a:r>
-              <a:rPr lang="en-US" dirty="0"/>
-              <a:t>Visualization 1 </a:t>
-            </a:r>
-            <a:br>
-              <a:rPr lang="en-US" dirty="0"/>
-            </a:br>
+          <a:lstStyle>
+            <a:lvl1pPr marL="228600" indent="-228600" algn="l" defTabSz="914400" rtl="0" eaLnBrk="1" latinLnBrk="0" hangingPunct="1">
+              <a:lnSpc>
+                <a:spcPct val="90000"/>
+              </a:lnSpc>
+              <a:spcBef>
+                <a:spcPts val="1800"/>
+              </a:spcBef>
+              <a:buSzPct val="100000"/>
+              <a:buFont typeface="Arial" pitchFamily="34" charset="0"/>
+              <a:buChar char="▪"/>
+              <a:defRPr sz="2400" kern="1200">
+                <a:solidFill>
+                  <a:schemeClr val="tx1">
+                    <a:lumMod val="75000"/>
+                    <a:lumOff val="25000"/>
+                  </a:schemeClr>
+                </a:solidFill>
+                <a:latin typeface="+mn-lt"/>
+                <a:ea typeface="+mn-ea"/>
+                <a:cs typeface="+mn-cs"/>
+              </a:defRPr>
+            </a:lvl1pPr>
+            <a:lvl2pPr marL="457200" indent="-228600" algn="l" defTabSz="914400" rtl="0" eaLnBrk="1" latinLnBrk="0" hangingPunct="1">
+              <a:lnSpc>
+                <a:spcPct val="90000"/>
+              </a:lnSpc>
+              <a:spcBef>
+                <a:spcPts val="600"/>
+              </a:spcBef>
+              <a:buSzPct val="100000"/>
+              <a:buFont typeface="Arial" pitchFamily="34" charset="0"/>
+              <a:buChar char="▪"/>
+              <a:defRPr sz="2200" kern="1200">
+                <a:solidFill>
+                  <a:schemeClr val="tx1">
+                    <a:lumMod val="75000"/>
+                    <a:lumOff val="25000"/>
+                  </a:schemeClr>
+                </a:solidFill>
+                <a:latin typeface="+mn-lt"/>
+                <a:ea typeface="+mn-ea"/>
+                <a:cs typeface="+mn-cs"/>
+              </a:defRPr>
+            </a:lvl2pPr>
+            <a:lvl3pPr marL="685800" indent="-182880" algn="l" defTabSz="914400" rtl="0" eaLnBrk="1" latinLnBrk="0" hangingPunct="1">
+              <a:lnSpc>
+                <a:spcPct val="90000"/>
+              </a:lnSpc>
+              <a:spcBef>
+                <a:spcPts val="600"/>
+              </a:spcBef>
+              <a:buSzPct val="100000"/>
+              <a:buFont typeface="Arial" pitchFamily="34" charset="0"/>
+              <a:buChar char="▪"/>
+              <a:defRPr sz="2000" kern="1200">
+                <a:solidFill>
+                  <a:schemeClr val="tx1">
+                    <a:lumMod val="75000"/>
+                    <a:lumOff val="25000"/>
+                  </a:schemeClr>
+                </a:solidFill>
+                <a:latin typeface="+mn-lt"/>
+                <a:ea typeface="+mn-ea"/>
+                <a:cs typeface="+mn-cs"/>
+              </a:defRPr>
+            </a:lvl3pPr>
+            <a:lvl4pPr marL="868680" indent="-182563" algn="l" defTabSz="914400" rtl="0" eaLnBrk="1" latinLnBrk="0" hangingPunct="1">
+              <a:lnSpc>
+                <a:spcPct val="90000"/>
+              </a:lnSpc>
+              <a:spcBef>
+                <a:spcPts val="600"/>
+              </a:spcBef>
+              <a:buSzPct val="100000"/>
+              <a:buFont typeface="Arial" pitchFamily="34" charset="0"/>
+              <a:buChar char="▪"/>
+              <a:defRPr sz="1800" kern="1200">
+                <a:solidFill>
+                  <a:schemeClr val="tx1">
+                    <a:lumMod val="75000"/>
+                    <a:lumOff val="25000"/>
+                  </a:schemeClr>
+                </a:solidFill>
+                <a:latin typeface="+mn-lt"/>
+                <a:ea typeface="+mn-ea"/>
+                <a:cs typeface="+mn-cs"/>
+              </a:defRPr>
+            </a:lvl4pPr>
+            <a:lvl5pPr marL="1051560" indent="-182880" algn="l" defTabSz="914400" rtl="0" eaLnBrk="1" latinLnBrk="0" hangingPunct="1">
+              <a:lnSpc>
+                <a:spcPct val="90000"/>
+              </a:lnSpc>
+              <a:spcBef>
+                <a:spcPts val="600"/>
+              </a:spcBef>
+              <a:buSzPct val="100000"/>
+              <a:buFont typeface="Arial" pitchFamily="34" charset="0"/>
+              <a:buChar char="▪"/>
+              <a:defRPr sz="1600" kern="1200">
+                <a:solidFill>
+                  <a:schemeClr val="tx1">
+                    <a:lumMod val="75000"/>
+                    <a:lumOff val="25000"/>
+                  </a:schemeClr>
+                </a:solidFill>
+                <a:latin typeface="+mn-lt"/>
+                <a:ea typeface="+mn-ea"/>
+                <a:cs typeface="+mn-cs"/>
+              </a:defRPr>
+            </a:lvl5pPr>
+            <a:lvl6pPr marL="1234440" indent="-182880" algn="l" defTabSz="914400" rtl="0" eaLnBrk="1" latinLnBrk="0" hangingPunct="1">
+              <a:lnSpc>
+                <a:spcPct val="90000"/>
+              </a:lnSpc>
+              <a:spcBef>
+                <a:spcPts val="400"/>
+              </a:spcBef>
+              <a:buSzPct val="100000"/>
+              <a:buFont typeface="Arial" pitchFamily="34" charset="0"/>
+              <a:buChar char="▪"/>
+              <a:defRPr sz="1600" kern="1200">
+                <a:solidFill>
+                  <a:schemeClr val="tx1">
+                    <a:lumMod val="75000"/>
+                    <a:lumOff val="25000"/>
+                  </a:schemeClr>
+                </a:solidFill>
+                <a:latin typeface="+mn-lt"/>
+                <a:ea typeface="+mn-ea"/>
+                <a:cs typeface="+mn-cs"/>
+              </a:defRPr>
+            </a:lvl6pPr>
+            <a:lvl7pPr marL="1417320" indent="-182880" algn="l" defTabSz="914400" rtl="0" eaLnBrk="1" latinLnBrk="0" hangingPunct="1">
+              <a:lnSpc>
+                <a:spcPct val="90000"/>
+              </a:lnSpc>
+              <a:spcBef>
+                <a:spcPts val="400"/>
+              </a:spcBef>
+              <a:buSzPct val="100000"/>
+              <a:buFont typeface="Arial" pitchFamily="34" charset="0"/>
+              <a:buChar char="▪"/>
+              <a:defRPr sz="1600" kern="1200">
+                <a:solidFill>
+                  <a:schemeClr val="tx1">
+                    <a:lumMod val="75000"/>
+                    <a:lumOff val="25000"/>
+                  </a:schemeClr>
+                </a:solidFill>
+                <a:latin typeface="+mn-lt"/>
+                <a:ea typeface="+mn-ea"/>
+                <a:cs typeface="+mn-cs"/>
+              </a:defRPr>
+            </a:lvl7pPr>
+            <a:lvl8pPr marL="1600200" indent="-182880" algn="l" defTabSz="914400" rtl="0" eaLnBrk="1" latinLnBrk="0" hangingPunct="1">
+              <a:lnSpc>
+                <a:spcPct val="90000"/>
+              </a:lnSpc>
+              <a:spcBef>
+                <a:spcPts val="400"/>
+              </a:spcBef>
+              <a:buSzPct val="100000"/>
+              <a:buFont typeface="Arial" pitchFamily="34" charset="0"/>
+              <a:buChar char="▪"/>
+              <a:defRPr sz="1600" kern="1200">
+                <a:solidFill>
+                  <a:schemeClr val="tx1">
+                    <a:lumMod val="75000"/>
+                    <a:lumOff val="25000"/>
+                  </a:schemeClr>
+                </a:solidFill>
+                <a:latin typeface="+mn-lt"/>
+                <a:ea typeface="+mn-ea"/>
+                <a:cs typeface="+mn-cs"/>
+              </a:defRPr>
+            </a:lvl8pPr>
+            <a:lvl9pPr marL="1783080" indent="-182880" algn="l" defTabSz="914400" rtl="0" eaLnBrk="1" latinLnBrk="0" hangingPunct="1">
+              <a:lnSpc>
+                <a:spcPct val="90000"/>
+              </a:lnSpc>
+              <a:spcBef>
+                <a:spcPts val="400"/>
+              </a:spcBef>
+              <a:buSzPct val="100000"/>
+              <a:buFont typeface="Arial" pitchFamily="34" charset="0"/>
+              <a:buChar char="▪"/>
+              <a:defRPr sz="1600" kern="1200">
+                <a:solidFill>
+                  <a:schemeClr val="tx1">
+                    <a:lumMod val="75000"/>
+                    <a:lumOff val="25000"/>
+                  </a:schemeClr>
+                </a:solidFill>
+                <a:latin typeface="+mn-lt"/>
+                <a:ea typeface="+mn-ea"/>
+                <a:cs typeface="+mn-cs"/>
+              </a:defRPr>
+            </a:lvl9pPr>
+          </a:lstStyle>
+          <a:p>
+            <a:pPr marL="0" indent="0">
+              <a:buFont typeface="Arial" pitchFamily="34" charset="0"/>
+              <a:buNone/>
+            </a:pPr>
+            <a:endParaRPr lang="en-US" sz="2000" dirty="0"/>
+          </a:p>
+          <a:p>
+            <a:pPr marL="0" indent="0">
+              <a:buFont typeface="Arial" pitchFamily="34" charset="0"/>
+              <a:buNone/>
+            </a:pPr>
             <a:r>
               <a:rPr lang="en-US" sz="2000" dirty="0"/>
-              <a:t>Mine Information Overview</a:t>
-            </a:r>
-            <a:br>
+              <a:t>Current Dashboard Interactivity Options:</a:t>
+            </a:r>
+          </a:p>
+          <a:p>
+            <a:r>
+              <a:rPr lang="en-US" sz="1600" dirty="0"/>
+              <a:t>Able to </a:t>
+            </a:r>
+            <a:r>
+              <a:rPr lang="en-US" sz="1600" dirty="0">
+                <a:solidFill>
+                  <a:schemeClr val="accent1"/>
+                </a:solidFill>
+              </a:rPr>
+              <a:t>filter results </a:t>
+            </a:r>
+            <a:r>
+              <a:rPr lang="en-US" sz="1600" dirty="0"/>
+              <a:t>by the Mine ID Selector. </a:t>
+            </a:r>
+          </a:p>
+          <a:p>
+            <a:endParaRPr lang="en-US" sz="1200" i="1" dirty="0"/>
+          </a:p>
+          <a:p>
+            <a:pPr marL="0" indent="0">
+              <a:buNone/>
+            </a:pPr>
+            <a:endParaRPr lang="en-US" sz="2000" dirty="0"/>
+          </a:p>
+          <a:p>
+            <a:pPr marL="0" indent="0">
+              <a:buNone/>
+            </a:pPr>
+            <a:r>
               <a:rPr lang="en-US" sz="2000" dirty="0"/>
-            </a:br>
-            <a:br>
-              <a:rPr lang="en-US" sz="2000" dirty="0"/>
-            </a:br>
-            <a:br>
-              <a:rPr lang="en-US" sz="2000" dirty="0"/>
-            </a:br>
-            <a:br>
-              <a:rPr lang="en-US" sz="2000" dirty="0"/>
-            </a:br>
-            <a:br>
-              <a:rPr lang="en-US" sz="2000" dirty="0">
-                <a:latin typeface="Franklin Gothic Book" panose="020B0503020102020204" pitchFamily="34" charset="0"/>
+              <a:t>If we had more time…</a:t>
+            </a:r>
+          </a:p>
+          <a:p>
+            <a:r>
+              <a:rPr lang="en-US" sz="1600" dirty="0">
+                <a:solidFill>
+                  <a:schemeClr val="accent1"/>
+                </a:solidFill>
               </a:rPr>
-            </a:br>
-            <a:br>
-              <a:rPr lang="en-US" sz="2000" dirty="0">
-                <a:latin typeface="Franklin Gothic Book" panose="020B0503020102020204" pitchFamily="34" charset="0"/>
+              <a:t>More </a:t>
+            </a:r>
+            <a:r>
+              <a:rPr lang="en-US" sz="1600" dirty="0" err="1">
+                <a:solidFill>
+                  <a:schemeClr val="accent1"/>
+                </a:solidFill>
               </a:rPr>
-            </a:br>
-            <a:br>
-              <a:rPr lang="en-US" sz="2000" dirty="0">
-                <a:latin typeface="Franklin Gothic Book" panose="020B0503020102020204" pitchFamily="34" charset="0"/>
+              <a:t>Visualisations</a:t>
+            </a:r>
+            <a:endParaRPr lang="en-US" sz="1600" dirty="0">
+              <a:solidFill>
+                <a:schemeClr val="accent1"/>
+              </a:solidFill>
+            </a:endParaRPr>
+          </a:p>
+          <a:p>
+            <a:r>
+              <a:rPr lang="en-US" sz="1600" dirty="0">
+                <a:solidFill>
+                  <a:schemeClr val="accent1"/>
+                </a:solidFill>
               </a:rPr>
-            </a:br>
-            <a:r>
-              <a:rPr lang="en-US" sz="2000" b="1" dirty="0">
-                <a:latin typeface="Franklin Gothic Book" panose="020B0503020102020204" pitchFamily="34" charset="0"/>
-              </a:rPr>
-              <a:t>Data:</a:t>
-            </a:r>
-            <a:br>
-              <a:rPr lang="en-US" sz="2000" dirty="0">
-                <a:latin typeface="Franklin Gothic Book" panose="020B0503020102020204" pitchFamily="34" charset="0"/>
-              </a:rPr>
-            </a:br>
-            <a:r>
-              <a:rPr lang="en-US" sz="2000" dirty="0">
-                <a:latin typeface="Franklin Gothic Book" panose="020B0503020102020204" pitchFamily="34" charset="0"/>
-              </a:rPr>
-              <a:t>- Imported using the </a:t>
-            </a:r>
-            <a:r>
-              <a:rPr lang="en-US" sz="2000" dirty="0" err="1">
-                <a:latin typeface="Franklin Gothic Book" panose="020B0503020102020204" pitchFamily="34" charset="0"/>
-              </a:rPr>
-              <a:t>mine_id</a:t>
-            </a:r>
-            <a:r>
-              <a:rPr lang="en-US" sz="2000" dirty="0">
-                <a:latin typeface="Franklin Gothic Book" panose="020B0503020102020204" pitchFamily="34" charset="0"/>
-              </a:rPr>
-              <a:t>, importing an overview of the Mines information. </a:t>
-            </a:r>
-            <a:br>
-              <a:rPr lang="en-US" sz="2000" dirty="0">
-                <a:latin typeface="Franklin Gothic Book" panose="020B0503020102020204" pitchFamily="34" charset="0"/>
-              </a:rPr>
-            </a:br>
-            <a:br>
-              <a:rPr lang="en-US" sz="2000" dirty="0">
-                <a:latin typeface="Franklin Gothic Book" panose="020B0503020102020204" pitchFamily="34" charset="0"/>
-              </a:rPr>
-            </a:br>
-            <a:br>
-              <a:rPr lang="en-US" sz="2000" dirty="0">
-                <a:latin typeface="Franklin Gothic Book" panose="020B0503020102020204" pitchFamily="34" charset="0"/>
-              </a:rPr>
-            </a:br>
-            <a:r>
-              <a:rPr lang="en-US" sz="2000" b="1" dirty="0">
-                <a:latin typeface="Franklin Gothic Book" panose="020B0503020102020204" pitchFamily="34" charset="0"/>
-              </a:rPr>
-              <a:t>Visualisation Source:</a:t>
-            </a:r>
-            <a:br>
-              <a:rPr lang="en-US" sz="2000" b="1" dirty="0">
-                <a:latin typeface="Franklin Gothic Book" panose="020B0503020102020204" pitchFamily="34" charset="0"/>
-              </a:rPr>
-            </a:br>
-            <a:r>
-              <a:rPr lang="en-US" sz="2000" dirty="0">
-                <a:latin typeface="Franklin Gothic Book" panose="020B0503020102020204" pitchFamily="34" charset="0"/>
-              </a:rPr>
-              <a:t>- </a:t>
-            </a:r>
-            <a:r>
-              <a:rPr lang="en-AU" sz="2000" dirty="0">
-                <a:latin typeface="Franklin Gothic Book" panose="020B0503020102020204" pitchFamily="34" charset="0"/>
-              </a:rPr>
-              <a:t>Generated</a:t>
-            </a:r>
-            <a:r>
-              <a:rPr lang="en-US" sz="2000" dirty="0">
-                <a:latin typeface="Franklin Gothic Book" panose="020B0503020102020204" pitchFamily="34" charset="0"/>
-              </a:rPr>
-              <a:t> using plot.ly</a:t>
+              <a:t>More Filters </a:t>
+            </a:r>
+            <a:r>
+              <a:rPr lang="en-US" sz="1600" dirty="0"/>
+              <a:t>– by Underground/Surface, Commodity etc.</a:t>
             </a:r>
           </a:p>
         </p:txBody>
@@ -9556,7 +10590,7 @@
     </p:spTree>
     <p:extLst>
       <p:ext uri="{BB962C8B-B14F-4D97-AF65-F5344CB8AC3E}">
-        <p14:creationId xmlns:p14="http://schemas.microsoft.com/office/powerpoint/2010/main" val="2914748422"/>
+        <p14:creationId xmlns:p14="http://schemas.microsoft.com/office/powerpoint/2010/main" val="547100618"/>
       </p:ext>
     </p:extLst>
   </p:cSld>
@@ -9597,7 +10631,13 @@
       </p:grpSpPr>
       <p:sp>
         <p:nvSpPr>
-          <p:cNvPr id="2" name="Title 1"/>
+          <p:cNvPr id="6" name="Title 1">
+            <a:extLst>
+              <a:ext uri="{FF2B5EF4-FFF2-40B4-BE49-F238E27FC236}">
+                <a16:creationId xmlns:a16="http://schemas.microsoft.com/office/drawing/2014/main" id="{AA9EC58A-394E-3676-634A-6DBE2A440446}"/>
+              </a:ext>
+            </a:extLst>
+          </p:cNvPr>
           <p:cNvSpPr>
             <a:spLocks noGrp="1"/>
           </p:cNvSpPr>
@@ -9619,14 +10659,14 @@
           <a:p>
             <a:r>
               <a:rPr lang="en-US" dirty="0"/>
-              <a:t>Visualization 2 </a:t>
+              <a:t>Visualization 1 </a:t>
             </a:r>
             <a:br>
               <a:rPr lang="en-US" dirty="0"/>
             </a:br>
             <a:r>
               <a:rPr lang="en-US" sz="2000" dirty="0"/>
-              <a:t>Dual Dataset Injury Donut</a:t>
+              <a:t>Mine Information Overview</a:t>
             </a:r>
             <a:br>
               <a:rPr lang="en-US" sz="2000" dirty="0"/>
@@ -9638,7 +10678,43 @@
               <a:rPr lang="en-US" sz="2000" dirty="0"/>
             </a:br>
             <a:br>
-              <a:rPr lang="en-US" sz="2000" dirty="0"/>
+              <a:rPr lang="en-US" sz="2000" dirty="0">
+                <a:latin typeface="Franklin Gothic Book" panose="020B0503020102020204" pitchFamily="34" charset="0"/>
+              </a:rPr>
+            </a:br>
+            <a:r>
+              <a:rPr lang="en-US" sz="2000" b="1" u="sng" dirty="0">
+                <a:latin typeface="Franklin Gothic Book" panose="020B0503020102020204" pitchFamily="34" charset="0"/>
+              </a:rPr>
+              <a:t>Data:</a:t>
+            </a:r>
+            <a:br>
+              <a:rPr lang="en-US" sz="2000" b="1" dirty="0">
+                <a:latin typeface="Franklin Gothic Book" panose="020B0503020102020204" pitchFamily="34" charset="0"/>
+              </a:rPr>
+            </a:br>
+            <a:r>
+              <a:rPr lang="en-US" sz="2000" dirty="0">
+                <a:latin typeface="Franklin Gothic Book" panose="020B0503020102020204" pitchFamily="34" charset="0"/>
+              </a:rPr>
+              <a:t>Imported using the </a:t>
+            </a:r>
+            <a:r>
+              <a:rPr lang="en-US" sz="2000" dirty="0" err="1">
+                <a:latin typeface="Franklin Gothic Book" panose="020B0503020102020204" pitchFamily="34" charset="0"/>
+              </a:rPr>
+              <a:t>mine_id</a:t>
+            </a:r>
+            <a:r>
+              <a:rPr lang="en-US" sz="2000" dirty="0">
+                <a:latin typeface="Franklin Gothic Book" panose="020B0503020102020204" pitchFamily="34" charset="0"/>
+              </a:rPr>
+              <a:t>, importing an overview of the Mines information as shown. </a:t>
+            </a:r>
+            <a:br>
+              <a:rPr lang="en-US" sz="2000" dirty="0">
+                <a:latin typeface="Franklin Gothic Book" panose="020B0503020102020204" pitchFamily="34" charset="0"/>
+              </a:rPr>
             </a:br>
             <a:br>
               <a:rPr lang="en-US" sz="2000" dirty="0">
@@ -9655,34 +10731,39 @@
                 <a:latin typeface="Franklin Gothic Book" panose="020B0503020102020204" pitchFamily="34" charset="0"/>
               </a:rPr>
             </a:br>
-            <a:r>
-              <a:rPr lang="en-US" sz="2000" b="1" dirty="0">
-                <a:latin typeface="Franklin Gothic Book" panose="020B0503020102020204" pitchFamily="34" charset="0"/>
-              </a:rPr>
-              <a:t>Data:</a:t>
-            </a:r>
             <a:br>
               <a:rPr lang="en-US" sz="2000" dirty="0">
                 <a:latin typeface="Franklin Gothic Book" panose="020B0503020102020204" pitchFamily="34" charset="0"/>
               </a:rPr>
             </a:br>
             <a:r>
+              <a:rPr lang="en-US" sz="2000" b="1" u="sng" dirty="0">
+                <a:latin typeface="Franklin Gothic Book" panose="020B0503020102020204" pitchFamily="34" charset="0"/>
+              </a:rPr>
+              <a:t>Visualisation Source:</a:t>
+            </a:r>
+            <a:br>
+              <a:rPr lang="en-US" sz="2000" b="1" dirty="0">
+                <a:latin typeface="Franklin Gothic Book" panose="020B0503020102020204" pitchFamily="34" charset="0"/>
+              </a:rPr>
+            </a:br>
+            <a:r>
               <a:rPr lang="en-US" sz="2000" dirty="0">
                 <a:latin typeface="Franklin Gothic Book" panose="020B0503020102020204" pitchFamily="34" charset="0"/>
               </a:rPr>
-              <a:t>- Imported using the </a:t>
-            </a:r>
-            <a:r>
-              <a:rPr lang="en-US" sz="2000" dirty="0" err="1">
+              <a:t>- </a:t>
+            </a:r>
+            <a:r>
+              <a:rPr lang="en-AU" sz="2000" dirty="0">
                 <a:latin typeface="Franklin Gothic Book" panose="020B0503020102020204" pitchFamily="34" charset="0"/>
               </a:rPr>
-              <a:t>mine_id</a:t>
+              <a:t>Generated</a:t>
             </a:r>
             <a:r>
               <a:rPr lang="en-US" sz="2000" dirty="0">
                 <a:latin typeface="Franklin Gothic Book" panose="020B0503020102020204" pitchFamily="34" charset="0"/>
               </a:rPr>
-              <a:t> as a filter, then presenting the mines injury data by Body Part and also Nature.</a:t>
+              <a:t> using plot.ly</a:t>
             </a:r>
             <a:br>
               <a:rPr lang="en-US" sz="2000" dirty="0">
@@ -9694,39 +10775,35 @@
                 <a:latin typeface="Franklin Gothic Book" panose="020B0503020102020204" pitchFamily="34" charset="0"/>
               </a:rPr>
             </a:br>
-            <a:br>
+            <a:r>
               <a:rPr lang="en-US" sz="2000" dirty="0">
                 <a:latin typeface="Franklin Gothic Book" panose="020B0503020102020204" pitchFamily="34" charset="0"/>
               </a:rPr>
-            </a:br>
-            <a:r>
-              <a:rPr lang="en-US" sz="2000" b="1" dirty="0">
+              <a:t>- Uses the </a:t>
+            </a:r>
+            <a:r>
+              <a:rPr lang="en-US" sz="2000" dirty="0" err="1">
                 <a:latin typeface="Franklin Gothic Book" panose="020B0503020102020204" pitchFamily="34" charset="0"/>
               </a:rPr>
-              <a:t>Visualisation Source:</a:t>
-            </a:r>
-            <a:br>
-              <a:rPr lang="en-US" sz="2000" b="1" dirty="0">
-                <a:latin typeface="Franklin Gothic Book" panose="020B0503020102020204" pitchFamily="34" charset="0"/>
-              </a:rPr>
-            </a:br>
+              <a:t>mine_id</a:t>
+            </a:r>
             <a:r>
               <a:rPr lang="en-US" sz="2000" dirty="0">
                 <a:latin typeface="Franklin Gothic Book" panose="020B0503020102020204" pitchFamily="34" charset="0"/>
               </a:rPr>
-              <a:t>- </a:t>
-            </a:r>
-            <a:r>
-              <a:rPr lang="en-AU" sz="2000" dirty="0">
+              <a:t> and the </a:t>
+            </a:r>
+            <a:r>
+              <a:rPr lang="en-US" sz="2000" dirty="0" err="1">
                 <a:latin typeface="Franklin Gothic Book" panose="020B0503020102020204" pitchFamily="34" charset="0"/>
               </a:rPr>
-              <a:t>Generated</a:t>
+              <a:t>company_details</a:t>
             </a:r>
             <a:r>
               <a:rPr lang="en-US" sz="2000" dirty="0">
                 <a:latin typeface="Franklin Gothic Book" panose="020B0503020102020204" pitchFamily="34" charset="0"/>
               </a:rPr>
-              <a:t> using plot.ly</a:t>
+              <a:t> table.</a:t>
             </a:r>
           </a:p>
         </p:txBody>
@@ -9736,7 +10813,7 @@
           <p:cNvPr id="11" name="Picture 10">
             <a:extLst>
               <a:ext uri="{FF2B5EF4-FFF2-40B4-BE49-F238E27FC236}">
-                <a16:creationId xmlns:a16="http://schemas.microsoft.com/office/drawing/2014/main" id="{60B686EF-BD48-DE4B-240A-34CB21FDABDB}"/>
+                <a16:creationId xmlns:a16="http://schemas.microsoft.com/office/drawing/2014/main" id="{055C1B6B-C5D0-808B-EB08-33E1E28D44F5}"/>
               </a:ext>
             </a:extLst>
           </p:cNvPr>
@@ -9753,18 +10830,23 @@
         </p:blipFill>
         <p:spPr>
           <a:xfrm>
-            <a:off x="479376" y="1681162"/>
-            <a:ext cx="6143625" cy="3495675"/>
+            <a:off x="839416" y="1484784"/>
+            <a:ext cx="5476875" cy="3876675"/>
           </a:xfrm>
           <a:prstGeom prst="rect">
             <a:avLst/>
           </a:prstGeom>
+          <a:ln>
+            <a:solidFill>
+              <a:schemeClr val="tx1"/>
+            </a:solidFill>
+          </a:ln>
         </p:spPr>
       </p:pic>
     </p:spTree>
     <p:extLst>
       <p:ext uri="{BB962C8B-B14F-4D97-AF65-F5344CB8AC3E}">
-        <p14:creationId xmlns:p14="http://schemas.microsoft.com/office/powerpoint/2010/main" val="3049232890"/>
+        <p14:creationId xmlns:p14="http://schemas.microsoft.com/office/powerpoint/2010/main" val="2914748422"/>
       </p:ext>
     </p:extLst>
   </p:cSld>
@@ -9815,35 +10897,166 @@
         </p:nvSpPr>
         <p:spPr>
           <a:xfrm>
-            <a:off x="7320136" y="3200400"/>
-            <a:ext cx="4608512" cy="1752600"/>
+            <a:off x="7635240" y="548680"/>
+            <a:ext cx="3932237" cy="5760640"/>
           </a:xfrm>
         </p:spPr>
         <p:txBody>
-          <a:bodyPr/>
+          <a:bodyPr anchor="t">
+            <a:normAutofit/>
+          </a:bodyPr>
           <a:lstStyle/>
           <a:p>
             <a:r>
               <a:rPr lang="en-US" dirty="0"/>
-              <a:t>Visualization 3 </a:t>
+              <a:t>Visualization 2 </a:t>
             </a:r>
             <a:br>
               <a:rPr lang="en-US" dirty="0"/>
             </a:br>
             <a:r>
               <a:rPr lang="en-US" sz="2000" dirty="0"/>
-              <a:t>Stacked Bar Incident Activities by Month</a:t>
-            </a:r>
-            <a:endParaRPr lang="en-US" dirty="0"/>
+              <a:t>Dual Dataset Injury Donut</a:t>
+            </a:r>
+            <a:br>
+              <a:rPr lang="en-US" sz="2000" dirty="0"/>
+            </a:br>
+            <a:br>
+              <a:rPr lang="en-US" sz="2000" dirty="0"/>
+            </a:br>
+            <a:br>
+              <a:rPr lang="en-US" sz="2000" dirty="0"/>
+            </a:br>
+            <a:br>
+              <a:rPr lang="en-US" sz="2000" dirty="0"/>
+            </a:br>
+            <a:r>
+              <a:rPr lang="en-US" sz="2000" b="1" u="sng" dirty="0">
+                <a:latin typeface="Franklin Gothic Book" panose="020B0503020102020204" pitchFamily="34" charset="0"/>
+              </a:rPr>
+              <a:t>Data:</a:t>
+            </a:r>
+            <a:br>
+              <a:rPr lang="en-US" sz="2000" b="1" dirty="0">
+                <a:latin typeface="Franklin Gothic Book" panose="020B0503020102020204" pitchFamily="34" charset="0"/>
+              </a:rPr>
+            </a:br>
+            <a:r>
+              <a:rPr lang="en-US" sz="2000" dirty="0">
+                <a:latin typeface="Franklin Gothic Book" panose="020B0503020102020204" pitchFamily="34" charset="0"/>
+              </a:rPr>
+              <a:t>Using the </a:t>
+            </a:r>
+            <a:r>
+              <a:rPr lang="en-US" sz="2000" dirty="0" err="1">
+                <a:latin typeface="Franklin Gothic Book" panose="020B0503020102020204" pitchFamily="34" charset="0"/>
+              </a:rPr>
+              <a:t>mine_id</a:t>
+            </a:r>
+            <a:r>
+              <a:rPr lang="en-US" sz="2000" dirty="0">
+                <a:latin typeface="Franklin Gothic Book" panose="020B0503020102020204" pitchFamily="34" charset="0"/>
+              </a:rPr>
+              <a:t>, selected, it filters the </a:t>
+            </a:r>
+            <a:r>
+              <a:rPr lang="en-US" sz="2000" dirty="0" err="1">
+                <a:latin typeface="Franklin Gothic Book" panose="020B0503020102020204" pitchFamily="34" charset="0"/>
+              </a:rPr>
+              <a:t>injury_data</a:t>
+            </a:r>
+            <a:r>
+              <a:rPr lang="en-US" sz="2000" dirty="0">
+                <a:latin typeface="Franklin Gothic Book" panose="020B0503020102020204" pitchFamily="34" charset="0"/>
+              </a:rPr>
+              <a:t> table to present a summary of injuries by Body Party and Nature. </a:t>
+            </a:r>
+            <a:br>
+              <a:rPr lang="en-US" sz="2000" dirty="0">
+                <a:latin typeface="Franklin Gothic Book" panose="020B0503020102020204" pitchFamily="34" charset="0"/>
+              </a:rPr>
+            </a:br>
+            <a:br>
+              <a:rPr lang="en-US" sz="2000" dirty="0">
+                <a:latin typeface="Franklin Gothic Book" panose="020B0503020102020204" pitchFamily="34" charset="0"/>
+              </a:rPr>
+            </a:br>
+            <a:br>
+              <a:rPr lang="en-US" sz="2000" dirty="0">
+                <a:latin typeface="Franklin Gothic Book" panose="020B0503020102020204" pitchFamily="34" charset="0"/>
+              </a:rPr>
+            </a:br>
+            <a:br>
+              <a:rPr lang="en-US" sz="2000" dirty="0">
+                <a:latin typeface="Franklin Gothic Book" panose="020B0503020102020204" pitchFamily="34" charset="0"/>
+              </a:rPr>
+            </a:br>
+            <a:r>
+              <a:rPr lang="en-US" sz="2000" b="1" u="sng" dirty="0">
+                <a:latin typeface="Franklin Gothic Book" panose="020B0503020102020204" pitchFamily="34" charset="0"/>
+              </a:rPr>
+              <a:t>Visualisation Source:</a:t>
+            </a:r>
+            <a:br>
+              <a:rPr lang="en-US" sz="2000" b="1" dirty="0">
+                <a:latin typeface="Franklin Gothic Book" panose="020B0503020102020204" pitchFamily="34" charset="0"/>
+              </a:rPr>
+            </a:br>
+            <a:r>
+              <a:rPr lang="en-US" sz="2000" dirty="0">
+                <a:latin typeface="Franklin Gothic Book" panose="020B0503020102020204" pitchFamily="34" charset="0"/>
+              </a:rPr>
+              <a:t>- </a:t>
+            </a:r>
+            <a:r>
+              <a:rPr lang="en-AU" sz="2000" dirty="0">
+                <a:latin typeface="Franklin Gothic Book" panose="020B0503020102020204" pitchFamily="34" charset="0"/>
+              </a:rPr>
+              <a:t>Generated</a:t>
+            </a:r>
+            <a:r>
+              <a:rPr lang="en-US" sz="2000" dirty="0">
+                <a:latin typeface="Franklin Gothic Book" panose="020B0503020102020204" pitchFamily="34" charset="0"/>
+              </a:rPr>
+              <a:t> using plot.ly</a:t>
+            </a:r>
+            <a:br>
+              <a:rPr lang="en-US" sz="2000" dirty="0">
+                <a:latin typeface="Franklin Gothic Book" panose="020B0503020102020204" pitchFamily="34" charset="0"/>
+              </a:rPr>
+            </a:br>
+            <a:br>
+              <a:rPr lang="en-US" sz="2000" dirty="0">
+                <a:latin typeface="Franklin Gothic Book" panose="020B0503020102020204" pitchFamily="34" charset="0"/>
+              </a:rPr>
+            </a:br>
+            <a:r>
+              <a:rPr lang="en-US" sz="2000" dirty="0">
+                <a:latin typeface="Franklin Gothic Book" panose="020B0503020102020204" pitchFamily="34" charset="0"/>
+              </a:rPr>
+              <a:t>- Uses the </a:t>
+            </a:r>
+            <a:r>
+              <a:rPr lang="en-US" sz="2000" dirty="0" err="1">
+                <a:latin typeface="Franklin Gothic Book" panose="020B0503020102020204" pitchFamily="34" charset="0"/>
+              </a:rPr>
+              <a:t>injury_data</a:t>
+            </a:r>
+            <a:r>
+              <a:rPr lang="en-US" sz="2000" dirty="0">
+                <a:latin typeface="Franklin Gothic Book" panose="020B0503020102020204" pitchFamily="34" charset="0"/>
+              </a:rPr>
+              <a:t> table</a:t>
+            </a:r>
           </a:p>
         </p:txBody>
       </p:sp>
       <p:pic>
         <p:nvPicPr>
-          <p:cNvPr id="5" name="Picture 4">
+          <p:cNvPr id="7" name="Picture 6">
             <a:extLst>
               <a:ext uri="{FF2B5EF4-FFF2-40B4-BE49-F238E27FC236}">
-                <a16:creationId xmlns:a16="http://schemas.microsoft.com/office/drawing/2014/main" id="{21C2272F-1328-314B-2C80-8282A3363CF2}"/>
+                <a16:creationId xmlns:a16="http://schemas.microsoft.com/office/drawing/2014/main" id="{F6B050B8-8B8F-1E0C-4CF3-2C8310E8BC1A}"/>
               </a:ext>
             </a:extLst>
           </p:cNvPr>
@@ -9860,18 +11073,23 @@
         </p:blipFill>
         <p:spPr>
           <a:xfrm>
-            <a:off x="407368" y="1844824"/>
-            <a:ext cx="6139204" cy="3493311"/>
+            <a:off x="767408" y="1628800"/>
+            <a:ext cx="5534025" cy="3495675"/>
           </a:xfrm>
           <a:prstGeom prst="rect">
             <a:avLst/>
           </a:prstGeom>
+          <a:ln>
+            <a:solidFill>
+              <a:schemeClr val="tx1"/>
+            </a:solidFill>
+          </a:ln>
         </p:spPr>
       </p:pic>
     </p:spTree>
     <p:extLst>
       <p:ext uri="{BB962C8B-B14F-4D97-AF65-F5344CB8AC3E}">
-        <p14:creationId xmlns:p14="http://schemas.microsoft.com/office/powerpoint/2010/main" val="597771040"/>
+        <p14:creationId xmlns:p14="http://schemas.microsoft.com/office/powerpoint/2010/main" val="3049232890"/>
       </p:ext>
     </p:extLst>
   </p:cSld>
@@ -9912,7 +11130,13 @@
       </p:grpSpPr>
       <p:sp>
         <p:nvSpPr>
-          <p:cNvPr id="2" name="Title 1"/>
+          <p:cNvPr id="8" name="Title 1">
+            <a:extLst>
+              <a:ext uri="{FF2B5EF4-FFF2-40B4-BE49-F238E27FC236}">
+                <a16:creationId xmlns:a16="http://schemas.microsoft.com/office/drawing/2014/main" id="{85E25704-BA3B-DD87-BFAE-F8F95ED7E662}"/>
+              </a:ext>
+            </a:extLst>
+          </p:cNvPr>
           <p:cNvSpPr>
             <a:spLocks noGrp="1"/>
           </p:cNvSpPr>
@@ -9922,38 +11146,154 @@
         </p:nvSpPr>
         <p:spPr>
           <a:xfrm>
-            <a:off x="7248128" y="3200400"/>
-            <a:ext cx="4680520" cy="1752600"/>
+            <a:off x="7635240" y="548680"/>
+            <a:ext cx="3932237" cy="5760640"/>
           </a:xfrm>
         </p:spPr>
         <p:txBody>
-          <a:bodyPr/>
+          <a:bodyPr anchor="t">
+            <a:normAutofit/>
+          </a:bodyPr>
           <a:lstStyle/>
           <a:p>
             <a:r>
               <a:rPr lang="en-US" dirty="0"/>
-              <a:t>Visualization 4 </a:t>
+              <a:t>Visualization 3 </a:t>
             </a:r>
             <a:br>
               <a:rPr lang="en-US" dirty="0"/>
             </a:br>
             <a:r>
               <a:rPr lang="en-US" sz="2000" dirty="0"/>
-              <a:t>Bar Chart of Incidents By Category</a:t>
-            </a:r>
-            <a:r>
-              <a:rPr lang="en-US" dirty="0"/>
-              <a:t> </a:t>
+              <a:t>Incidents by Type</a:t>
+            </a:r>
+            <a:br>
+              <a:rPr lang="en-US" sz="2000" dirty="0"/>
+            </a:br>
+            <a:br>
+              <a:rPr lang="en-US" sz="2000" dirty="0"/>
+            </a:br>
+            <a:br>
+              <a:rPr lang="en-US" sz="2000" dirty="0"/>
+            </a:br>
+            <a:br>
+              <a:rPr lang="en-US" sz="2000" dirty="0"/>
+            </a:br>
+            <a:r>
+              <a:rPr lang="en-US" sz="2000" b="1" u="sng" dirty="0">
+                <a:latin typeface="Franklin Gothic Book" panose="020B0503020102020204" pitchFamily="34" charset="0"/>
+              </a:rPr>
+              <a:t>Data:</a:t>
+            </a:r>
+            <a:br>
+              <a:rPr lang="en-US" sz="2000" b="1" dirty="0">
+                <a:latin typeface="Franklin Gothic Book" panose="020B0503020102020204" pitchFamily="34" charset="0"/>
+              </a:rPr>
+            </a:br>
+            <a:r>
+              <a:rPr lang="en-US" sz="2000" dirty="0">
+                <a:latin typeface="Franklin Gothic Book" panose="020B0503020102020204" pitchFamily="34" charset="0"/>
+              </a:rPr>
+              <a:t>Using the </a:t>
+            </a:r>
+            <a:r>
+              <a:rPr lang="en-US" sz="2000" dirty="0" err="1">
+                <a:latin typeface="Franklin Gothic Book" panose="020B0503020102020204" pitchFamily="34" charset="0"/>
+              </a:rPr>
+              <a:t>mine_id</a:t>
+            </a:r>
+            <a:r>
+              <a:rPr lang="en-US" sz="2000" dirty="0">
+                <a:latin typeface="Franklin Gothic Book" panose="020B0503020102020204" pitchFamily="34" charset="0"/>
+              </a:rPr>
+              <a:t>, selected, it filters the </a:t>
+            </a:r>
+            <a:r>
+              <a:rPr lang="en-US" sz="2000" dirty="0" err="1">
+                <a:latin typeface="Franklin Gothic Book" panose="020B0503020102020204" pitchFamily="34" charset="0"/>
+              </a:rPr>
+              <a:t>incident_data</a:t>
+            </a:r>
+            <a:r>
+              <a:rPr lang="en-US" sz="2000" dirty="0">
+                <a:latin typeface="Franklin Gothic Book" panose="020B0503020102020204" pitchFamily="34" charset="0"/>
+              </a:rPr>
+              <a:t> table to present a summary of incidents by ‘Type’. </a:t>
+            </a:r>
+            <a:br>
+              <a:rPr lang="en-US" sz="2000" dirty="0">
+                <a:latin typeface="Franklin Gothic Book" panose="020B0503020102020204" pitchFamily="34" charset="0"/>
+              </a:rPr>
+            </a:br>
+            <a:br>
+              <a:rPr lang="en-US" sz="2000" dirty="0">
+                <a:latin typeface="Franklin Gothic Book" panose="020B0503020102020204" pitchFamily="34" charset="0"/>
+              </a:rPr>
+            </a:br>
+            <a:br>
+              <a:rPr lang="en-US" sz="2000" dirty="0">
+                <a:latin typeface="Franklin Gothic Book" panose="020B0503020102020204" pitchFamily="34" charset="0"/>
+              </a:rPr>
+            </a:br>
+            <a:br>
+              <a:rPr lang="en-US" sz="2000" dirty="0">
+                <a:latin typeface="Franklin Gothic Book" panose="020B0503020102020204" pitchFamily="34" charset="0"/>
+              </a:rPr>
+            </a:br>
+            <a:r>
+              <a:rPr lang="en-US" sz="2000" b="1" u="sng" dirty="0">
+                <a:latin typeface="Franklin Gothic Book" panose="020B0503020102020204" pitchFamily="34" charset="0"/>
+              </a:rPr>
+              <a:t>Visualisation Source:</a:t>
+            </a:r>
+            <a:br>
+              <a:rPr lang="en-US" sz="2000" b="1" dirty="0">
+                <a:latin typeface="Franklin Gothic Book" panose="020B0503020102020204" pitchFamily="34" charset="0"/>
+              </a:rPr>
+            </a:br>
+            <a:r>
+              <a:rPr lang="en-US" sz="2000" dirty="0">
+                <a:latin typeface="Franklin Gothic Book" panose="020B0503020102020204" pitchFamily="34" charset="0"/>
+              </a:rPr>
+              <a:t>- </a:t>
+            </a:r>
+            <a:r>
+              <a:rPr lang="en-AU" sz="2000" dirty="0">
+                <a:latin typeface="Franklin Gothic Book" panose="020B0503020102020204" pitchFamily="34" charset="0"/>
+              </a:rPr>
+              <a:t>Generated</a:t>
+            </a:r>
+            <a:r>
+              <a:rPr lang="en-US" sz="2000" dirty="0">
+                <a:latin typeface="Franklin Gothic Book" panose="020B0503020102020204" pitchFamily="34" charset="0"/>
+              </a:rPr>
+              <a:t> using plot.ly</a:t>
+            </a:r>
+            <a:br>
+              <a:rPr lang="en-US" sz="2000" dirty="0">
+                <a:latin typeface="Franklin Gothic Book" panose="020B0503020102020204" pitchFamily="34" charset="0"/>
+              </a:rPr>
+            </a:br>
+            <a:br>
+              <a:rPr lang="en-US" sz="2000" dirty="0">
+                <a:latin typeface="Franklin Gothic Book" panose="020B0503020102020204" pitchFamily="34" charset="0"/>
+              </a:rPr>
+            </a:br>
+            <a:r>
+              <a:rPr lang="en-US" sz="2000" dirty="0">
+                <a:latin typeface="Franklin Gothic Book" panose="020B0503020102020204" pitchFamily="34" charset="0"/>
+              </a:rPr>
+              <a:t>- Uses the incident_details table</a:t>
             </a:r>
           </a:p>
         </p:txBody>
       </p:sp>
       <p:pic>
         <p:nvPicPr>
-          <p:cNvPr id="5" name="Picture 4">
+          <p:cNvPr id="10" name="Picture 9">
             <a:extLst>
               <a:ext uri="{FF2B5EF4-FFF2-40B4-BE49-F238E27FC236}">
-                <a16:creationId xmlns:a16="http://schemas.microsoft.com/office/drawing/2014/main" id="{89F36A64-0B61-BCEF-E765-CE77CA39E80A}"/>
+                <a16:creationId xmlns:a16="http://schemas.microsoft.com/office/drawing/2014/main" id="{A06E70FF-B611-8444-03D4-16BA86208BE3}"/>
               </a:ext>
             </a:extLst>
           </p:cNvPr>
@@ -9970,18 +11310,23 @@
         </p:blipFill>
         <p:spPr>
           <a:xfrm>
-            <a:off x="767408" y="1119187"/>
-            <a:ext cx="5328592" cy="4486695"/>
+            <a:off x="1199456" y="1340768"/>
+            <a:ext cx="4781550" cy="4114800"/>
           </a:xfrm>
           <a:prstGeom prst="rect">
             <a:avLst/>
           </a:prstGeom>
+          <a:ln>
+            <a:solidFill>
+              <a:schemeClr val="tx1"/>
+            </a:solidFill>
+          </a:ln>
         </p:spPr>
       </p:pic>
     </p:spTree>
     <p:extLst>
       <p:ext uri="{BB962C8B-B14F-4D97-AF65-F5344CB8AC3E}">
-        <p14:creationId xmlns:p14="http://schemas.microsoft.com/office/powerpoint/2010/main" val="1054645190"/>
+        <p14:creationId xmlns:p14="http://schemas.microsoft.com/office/powerpoint/2010/main" val="597771040"/>
       </p:ext>
     </p:extLst>
   </p:cSld>
